--- a/Descripcion FSS/ExpoOficialFSS.pptx
+++ b/Descripcion FSS/ExpoOficialFSS.pptx
@@ -236,7 +236,7 @@
           <a:p>
             <a:fld id="{C6FE2393-9196-4659-839C-24718EAB9A24}" type="datetimeFigureOut">
               <a:rPr lang="es-CO" smtClean="0"/>
-              <a:t>27/02/2021</a:t>
+              <a:t>6/03/2021</a:t>
             </a:fld>
             <a:endParaRPr lang="es-CO"/>
           </a:p>
@@ -1453,7 +1453,7 @@
           <a:p>
             <a:fld id="{B3030C24-9424-B24A-8613-79990C3AA492}" type="datetimeFigureOut">
               <a:rPr lang="es-ES" smtClean="0"/>
-              <a:t>27/02/2021</a:t>
+              <a:t>06/03/2021</a:t>
             </a:fld>
             <a:endParaRPr lang="es-ES"/>
           </a:p>
@@ -1633,7 +1633,7 @@
           <a:p>
             <a:fld id="{B3030C24-9424-B24A-8613-79990C3AA492}" type="datetimeFigureOut">
               <a:rPr lang="es-ES" smtClean="0"/>
-              <a:t>27/02/2021</a:t>
+              <a:t>06/03/2021</a:t>
             </a:fld>
             <a:endParaRPr lang="es-ES"/>
           </a:p>
@@ -2327,7 +2327,7 @@
           <a:p>
             <a:fld id="{B3030C24-9424-B24A-8613-79990C3AA492}" type="datetimeFigureOut">
               <a:rPr lang="es-ES" smtClean="0"/>
-              <a:t>27/02/2021</a:t>
+              <a:t>06/03/2021</a:t>
             </a:fld>
             <a:endParaRPr lang="es-ES"/>
           </a:p>
@@ -2580,7 +2580,7 @@
           <a:p>
             <a:fld id="{B3030C24-9424-B24A-8613-79990C3AA492}" type="datetimeFigureOut">
               <a:rPr lang="es-ES" smtClean="0"/>
-              <a:t>27/02/2021</a:t>
+              <a:t>06/03/2021</a:t>
             </a:fld>
             <a:endParaRPr lang="es-ES"/>
           </a:p>
@@ -2793,7 +2793,7 @@
           <a:p>
             <a:fld id="{B3030C24-9424-B24A-8613-79990C3AA492}" type="datetimeFigureOut">
               <a:rPr lang="es-ES" smtClean="0"/>
-              <a:t>27/02/2021</a:t>
+              <a:t>06/03/2021</a:t>
             </a:fld>
             <a:endParaRPr lang="es-ES"/>
           </a:p>
@@ -3177,7 +3177,7 @@
         </p:nvSpPr>
         <p:spPr>
           <a:xfrm>
-            <a:off x="2946400" y="1346200"/>
+            <a:off x="2946400" y="1327553"/>
             <a:ext cx="3313151" cy="954107"/>
           </a:xfrm>
           <a:prstGeom prst="rect">
@@ -3353,7 +3353,7 @@
         </p:nvSpPr>
         <p:spPr>
           <a:xfrm>
-            <a:off x="1888272" y="2539984"/>
+            <a:off x="1888272" y="2403222"/>
             <a:ext cx="5917581" cy="45719"/>
           </a:xfrm>
           <a:prstGeom prst="rect">
@@ -3578,62 +3578,76 @@
       </p:sp>
       <p:pic>
         <p:nvPicPr>
-          <p:cNvPr id="5" name="Imagen 4">
+          <p:cNvPr id="6" name="Imagen 5">
             <a:extLst>
               <a:ext uri="{FF2B5EF4-FFF2-40B4-BE49-F238E27FC236}">
-                <a16:creationId xmlns:a16="http://schemas.microsoft.com/office/drawing/2014/main" id="{E48CB6A1-E352-4EC9-B86C-A5B340085D4B}"/>
+                <a16:creationId xmlns:a16="http://schemas.microsoft.com/office/drawing/2014/main" id="{C8DB97E8-C9E9-463B-A3EA-2DC3FE1604BD}"/>
               </a:ext>
             </a:extLst>
           </p:cNvPr>
-          <p:cNvPicPr>
-            <a:picLocks noChangeAspect="1"/>
-          </p:cNvPicPr>
+          <p:cNvPicPr/>
           <p:nvPr/>
         </p:nvPicPr>
-        <p:blipFill>
-          <a:blip r:embed="rId2"/>
-          <a:stretch>
-            <a:fillRect/>
-          </a:stretch>
+        <p:blipFill rotWithShape="1">
+          <a:blip r:embed="rId2">
+            <a:extLst>
+              <a:ext uri="{28A0092B-C50C-407E-A947-70E740481C1C}">
+                <a14:useLocalDpi xmlns:a14="http://schemas.microsoft.com/office/drawing/2010/main" val="0"/>
+              </a:ext>
+            </a:extLst>
+          </a:blip>
+          <a:srcRect t="1513" b="2286"/>
+          <a:stretch/>
         </p:blipFill>
-        <p:spPr>
+        <p:spPr bwMode="auto">
           <a:xfrm>
-            <a:off x="560434" y="1151468"/>
-            <a:ext cx="3859165" cy="3886200"/>
+            <a:off x="267969" y="1108713"/>
+            <a:ext cx="3943349" cy="3647437"/>
           </a:xfrm>
           <a:prstGeom prst="rect">
             <a:avLst/>
           </a:prstGeom>
+          <a:noFill/>
+          <a:ln>
+            <a:noFill/>
+          </a:ln>
         </p:spPr>
       </p:pic>
       <p:pic>
         <p:nvPicPr>
-          <p:cNvPr id="7" name="Imagen 6">
+          <p:cNvPr id="8" name="Imagen 7">
             <a:extLst>
               <a:ext uri="{FF2B5EF4-FFF2-40B4-BE49-F238E27FC236}">
-                <a16:creationId xmlns:a16="http://schemas.microsoft.com/office/drawing/2014/main" id="{9E71C3AB-A004-41EE-B41D-94E0F92ADBB8}"/>
+                <a16:creationId xmlns:a16="http://schemas.microsoft.com/office/drawing/2014/main" id="{5208ED56-6DC0-43FC-8217-FF89412BF55F}"/>
               </a:ext>
             </a:extLst>
           </p:cNvPr>
-          <p:cNvPicPr>
-            <a:picLocks noChangeAspect="1"/>
-          </p:cNvPicPr>
+          <p:cNvPicPr/>
           <p:nvPr/>
         </p:nvPicPr>
-        <p:blipFill>
-          <a:blip r:embed="rId3"/>
-          <a:stretch>
-            <a:fillRect/>
-          </a:stretch>
+        <p:blipFill rotWithShape="1">
+          <a:blip r:embed="rId3">
+            <a:extLst>
+              <a:ext uri="{28A0092B-C50C-407E-A947-70E740481C1C}">
+                <a14:useLocalDpi xmlns:a14="http://schemas.microsoft.com/office/drawing/2010/main" val="0"/>
+              </a:ext>
+            </a:extLst>
+          </a:blip>
+          <a:srcRect l="4301" t="1426" b="5504"/>
+          <a:stretch/>
         </p:blipFill>
-        <p:spPr>
+        <p:spPr bwMode="auto">
           <a:xfrm>
-            <a:off x="4637738" y="1151468"/>
-            <a:ext cx="3859164" cy="3886199"/>
+            <a:off x="4495800" y="1149988"/>
+            <a:ext cx="4380231" cy="3564886"/>
           </a:xfrm>
           <a:prstGeom prst="rect">
             <a:avLst/>
           </a:prstGeom>
+          <a:noFill/>
+          <a:ln>
+            <a:noFill/>
+          </a:ln>
         </p:spPr>
       </p:pic>
     </p:spTree>
@@ -3710,62 +3724,76 @@
       </p:sp>
       <p:pic>
         <p:nvPicPr>
-          <p:cNvPr id="4" name="Imagen 3">
+          <p:cNvPr id="5" name="Imagen 4">
             <a:extLst>
               <a:ext uri="{FF2B5EF4-FFF2-40B4-BE49-F238E27FC236}">
-                <a16:creationId xmlns:a16="http://schemas.microsoft.com/office/drawing/2014/main" id="{3E60AA12-E3B6-4DDC-ACCA-BFC914A9FC5D}"/>
+                <a16:creationId xmlns:a16="http://schemas.microsoft.com/office/drawing/2014/main" id="{B3E1529B-3C26-42E4-9A53-FF353C26B46D}"/>
               </a:ext>
             </a:extLst>
           </p:cNvPr>
-          <p:cNvPicPr>
-            <a:picLocks noChangeAspect="1"/>
-          </p:cNvPicPr>
+          <p:cNvPicPr/>
           <p:nvPr/>
         </p:nvPicPr>
-        <p:blipFill>
-          <a:blip r:embed="rId2"/>
-          <a:stretch>
-            <a:fillRect/>
-          </a:stretch>
+        <p:blipFill rotWithShape="1">
+          <a:blip r:embed="rId2">
+            <a:extLst>
+              <a:ext uri="{28A0092B-C50C-407E-A947-70E740481C1C}">
+                <a14:useLocalDpi xmlns:a14="http://schemas.microsoft.com/office/drawing/2010/main" val="0"/>
+              </a:ext>
+            </a:extLst>
+          </a:blip>
+          <a:srcRect t="3839" b="4712"/>
+          <a:stretch/>
         </p:blipFill>
-        <p:spPr>
+        <p:spPr bwMode="auto">
           <a:xfrm>
-            <a:off x="670983" y="1176867"/>
-            <a:ext cx="3901017" cy="3835400"/>
+            <a:off x="218371" y="1176866"/>
+            <a:ext cx="4439920" cy="3484033"/>
           </a:xfrm>
           <a:prstGeom prst="rect">
             <a:avLst/>
           </a:prstGeom>
+          <a:noFill/>
+          <a:ln>
+            <a:noFill/>
+          </a:ln>
         </p:spPr>
       </p:pic>
       <p:pic>
         <p:nvPicPr>
-          <p:cNvPr id="8" name="Imagen 7">
+          <p:cNvPr id="6" name="Imagen 5">
             <a:extLst>
               <a:ext uri="{FF2B5EF4-FFF2-40B4-BE49-F238E27FC236}">
-                <a16:creationId xmlns:a16="http://schemas.microsoft.com/office/drawing/2014/main" id="{73F3C330-4CC0-49A3-BE6F-687DCDB351DD}"/>
+                <a16:creationId xmlns:a16="http://schemas.microsoft.com/office/drawing/2014/main" id="{ABCE40E7-97B9-4C40-A6D3-0C885396884C}"/>
               </a:ext>
             </a:extLst>
           </p:cNvPr>
-          <p:cNvPicPr>
-            <a:picLocks noChangeAspect="1"/>
-          </p:cNvPicPr>
+          <p:cNvPicPr/>
           <p:nvPr/>
         </p:nvPicPr>
-        <p:blipFill>
-          <a:blip r:embed="rId3"/>
-          <a:stretch>
-            <a:fillRect/>
-          </a:stretch>
+        <p:blipFill rotWithShape="1">
+          <a:blip r:embed="rId3">
+            <a:extLst>
+              <a:ext uri="{28A0092B-C50C-407E-A947-70E740481C1C}">
+                <a14:useLocalDpi xmlns:a14="http://schemas.microsoft.com/office/drawing/2010/main" val="0"/>
+              </a:ext>
+            </a:extLst>
+          </a:blip>
+          <a:srcRect t="1944"/>
+          <a:stretch/>
         </p:blipFill>
-        <p:spPr>
+        <p:spPr bwMode="auto">
           <a:xfrm>
-            <a:off x="5054601" y="1176867"/>
-            <a:ext cx="3572932" cy="3835400"/>
+            <a:off x="4883149" y="1176866"/>
+            <a:ext cx="4042479" cy="3585634"/>
           </a:xfrm>
           <a:prstGeom prst="rect">
             <a:avLst/>
           </a:prstGeom>
+          <a:noFill/>
+          <a:ln>
+            <a:noFill/>
+          </a:ln>
         </p:spPr>
       </p:pic>
     </p:spTree>
@@ -3855,14 +3883,14 @@
           <p:nvPr>
             <p:extLst>
               <p:ext uri="{D42A27DB-BD31-4B8C-83A1-F6EECF244321}">
-                <p14:modId xmlns:p14="http://schemas.microsoft.com/office/powerpoint/2010/main" val="1719298743"/>
+                <p14:modId xmlns:p14="http://schemas.microsoft.com/office/powerpoint/2010/main" val="3167645176"/>
               </p:ext>
             </p:extLst>
           </p:nvPr>
         </p:nvGraphicFramePr>
         <p:xfrm>
-          <a:off x="73893" y="1263177"/>
-          <a:ext cx="4204080" cy="3545890"/>
+          <a:off x="162792" y="1300865"/>
+          <a:ext cx="4637807" cy="3535107"/>
         </p:xfrm>
         <a:graphic>
           <a:graphicData uri="http://schemas.openxmlformats.org/drawingml/2006/table">
@@ -3871,21 +3899,21 @@
                 <a:tableStyleId>{5C22544A-7EE6-4342-B048-85BDC9FD1C3A}</a:tableStyleId>
               </a:tblPr>
               <a:tblGrid>
-                <a:gridCol w="824906">
+                <a:gridCol w="910010">
                   <a:extLst>
                     <a:ext uri="{9D8B030D-6E8A-4147-A177-3AD203B41FA5}">
                       <a16:colId xmlns:a16="http://schemas.microsoft.com/office/drawing/2014/main" val="542490920"/>
                     </a:ext>
                   </a:extLst>
                 </a:gridCol>
-                <a:gridCol w="1958368">
+                <a:gridCol w="2160409">
                   <a:extLst>
                     <a:ext uri="{9D8B030D-6E8A-4147-A177-3AD203B41FA5}">
                       <a16:colId xmlns:a16="http://schemas.microsoft.com/office/drawing/2014/main" val="1049885898"/>
                     </a:ext>
                   </a:extLst>
                 </a:gridCol>
-                <a:gridCol w="1420806">
+                <a:gridCol w="1567388">
                   <a:extLst>
                     <a:ext uri="{9D8B030D-6E8A-4147-A177-3AD203B41FA5}">
                       <a16:colId xmlns:a16="http://schemas.microsoft.com/office/drawing/2014/main" val="1967546909"/>
@@ -3893,7 +3921,7 @@
                   </a:extLst>
                 </a:gridCol>
               </a:tblGrid>
-              <a:tr h="453154">
+              <a:tr h="451805">
                 <a:tc>
                   <a:txBody>
                     <a:bodyPr/>
@@ -3908,7 +3936,7 @@
                         </a:spcAft>
                       </a:pPr>
                       <a:r>
-                        <a:rPr lang="es-VE" sz="900">
+                        <a:rPr lang="es-VE" sz="1000">
                           <a:solidFill>
                             <a:schemeClr val="tx1"/>
                           </a:solidFill>
@@ -3916,7 +3944,7 @@
                         </a:rPr>
                         <a:t>Caso de Uso</a:t>
                       </a:r>
-                      <a:endParaRPr lang="es-CO" sz="900">
+                      <a:endParaRPr lang="es-CO" sz="1000">
                         <a:solidFill>
                           <a:schemeClr val="tx1"/>
                         </a:solidFill>
@@ -3949,15 +3977,15 @@
                         </a:spcAft>
                       </a:pPr>
                       <a:r>
-                        <a:rPr lang="es-VE" sz="900">
-                          <a:solidFill>
-                            <a:schemeClr val="tx1"/>
-                          </a:solidFill>
-                          <a:effectLst/>
-                        </a:rPr>
-                        <a:t>Registro de clientes</a:t>
-                      </a:r>
-                      <a:endParaRPr lang="es-CO" sz="900">
+                        <a:rPr lang="es-VE" sz="1000" dirty="0">
+                          <a:solidFill>
+                            <a:schemeClr val="tx1"/>
+                          </a:solidFill>
+                          <a:effectLst/>
+                        </a:rPr>
+                        <a:t>Registro de usuarios</a:t>
+                      </a:r>
+                      <a:endParaRPr lang="es-CO" sz="1000" dirty="0">
                         <a:solidFill>
                           <a:schemeClr val="tx1"/>
                         </a:solidFill>
@@ -3990,7 +4018,7 @@
                         </a:spcAft>
                       </a:pPr>
                       <a:r>
-                        <a:rPr lang="es-VE" sz="900" dirty="0">
+                        <a:rPr lang="es-VE" sz="1000" dirty="0">
                           <a:solidFill>
                             <a:schemeClr val="tx1"/>
                           </a:solidFill>
@@ -3998,7 +4026,7 @@
                         </a:rPr>
                         <a:t>Identificador: </a:t>
                       </a:r>
-                      <a:endParaRPr lang="es-CO" sz="900" dirty="0">
+                      <a:endParaRPr lang="es-CO" sz="1000" dirty="0">
                         <a:solidFill>
                           <a:schemeClr val="tx1"/>
                         </a:solidFill>
@@ -4015,7 +4043,7 @@
                         </a:spcAft>
                       </a:pPr>
                       <a:r>
-                        <a:rPr lang="es-VE" sz="900" dirty="0">
+                        <a:rPr lang="es-VE" sz="1000" dirty="0">
                           <a:solidFill>
                             <a:schemeClr val="tx1"/>
                           </a:solidFill>
@@ -4023,7 +4051,7 @@
                         </a:rPr>
                         <a:t>CU001</a:t>
                       </a:r>
-                      <a:endParaRPr lang="es-CO" sz="900" dirty="0">
+                      <a:endParaRPr lang="es-CO" sz="1000" dirty="0">
                         <a:solidFill>
                           <a:schemeClr val="tx1"/>
                         </a:solidFill>
@@ -4048,7 +4076,7 @@
                   </a:ext>
                 </a:extLst>
               </a:tr>
-              <a:tr h="154690">
+              <a:tr h="226094">
                 <a:tc>
                   <a:txBody>
                     <a:bodyPr/>
@@ -4063,7 +4091,7 @@
                         </a:spcAft>
                       </a:pPr>
                       <a:r>
-                        <a:rPr lang="es-VE" sz="900">
+                        <a:rPr lang="es-VE" sz="1000">
                           <a:solidFill>
                             <a:schemeClr val="tx1"/>
                           </a:solidFill>
@@ -4071,7 +4099,7 @@
                         </a:rPr>
                         <a:t>Actores</a:t>
                       </a:r>
-                      <a:endParaRPr lang="es-CO" sz="900">
+                      <a:endParaRPr lang="es-CO" sz="1000">
                         <a:solidFill>
                           <a:schemeClr val="tx1"/>
                         </a:solidFill>
@@ -4104,15 +4132,15 @@
                         </a:spcAft>
                       </a:pPr>
                       <a:r>
-                        <a:rPr lang="es-VE" sz="900">
-                          <a:solidFill>
-                            <a:schemeClr val="tx1"/>
-                          </a:solidFill>
-                          <a:effectLst/>
-                        </a:rPr>
-                        <a:t>Cliente y sistema.</a:t>
-                      </a:r>
-                      <a:endParaRPr lang="es-CO" sz="900">
+                        <a:rPr lang="es-VE" sz="1000" dirty="0">
+                          <a:solidFill>
+                            <a:schemeClr val="tx1"/>
+                          </a:solidFill>
+                          <a:effectLst/>
+                        </a:rPr>
+                        <a:t>Administrador y sistema.</a:t>
+                      </a:r>
+                      <a:endParaRPr lang="es-CO" sz="1000" dirty="0">
                         <a:solidFill>
                           <a:schemeClr val="tx1"/>
                         </a:solidFill>
@@ -4147,7 +4175,7 @@
                   </a:ext>
                 </a:extLst>
               </a:tr>
-              <a:tr h="154690">
+              <a:tr h="230142">
                 <a:tc>
                   <a:txBody>
                     <a:bodyPr/>
@@ -4162,7 +4190,7 @@
                         </a:spcAft>
                       </a:pPr>
                       <a:r>
-                        <a:rPr lang="es-VE" sz="900">
+                        <a:rPr lang="es-VE" sz="1000">
                           <a:solidFill>
                             <a:schemeClr val="tx1"/>
                           </a:solidFill>
@@ -4170,7 +4198,7 @@
                         </a:rPr>
                         <a:t>Tipo</a:t>
                       </a:r>
-                      <a:endParaRPr lang="es-CO" sz="900">
+                      <a:endParaRPr lang="es-CO" sz="1000">
                         <a:solidFill>
                           <a:schemeClr val="tx1"/>
                         </a:solidFill>
@@ -4203,7 +4231,7 @@
                         </a:spcAft>
                       </a:pPr>
                       <a:r>
-                        <a:rPr lang="es-VE" sz="900">
+                        <a:rPr lang="es-VE" sz="1000" dirty="0">
                           <a:solidFill>
                             <a:schemeClr val="tx1"/>
                           </a:solidFill>
@@ -4211,7 +4239,7 @@
                         </a:rPr>
                         <a:t>Primario.</a:t>
                       </a:r>
-                      <a:endParaRPr lang="es-CO" sz="900">
+                      <a:endParaRPr lang="es-CO" sz="1000" dirty="0">
                         <a:solidFill>
                           <a:schemeClr val="tx1"/>
                         </a:solidFill>
@@ -4246,7 +4274,7 @@
                   </a:ext>
                 </a:extLst>
               </a:tr>
-              <a:tr h="751618">
+              <a:tr h="639568">
                 <a:tc rowSpan="2">
                   <a:txBody>
                     <a:bodyPr/>
@@ -4261,7 +4289,7 @@
                         </a:spcAft>
                       </a:pPr>
                       <a:r>
-                        <a:rPr lang="es-VE" sz="900">
+                        <a:rPr lang="es-VE" sz="1000" dirty="0">
                           <a:solidFill>
                             <a:schemeClr val="tx1"/>
                           </a:solidFill>
@@ -4269,7 +4297,7 @@
                         </a:rPr>
                         <a:t>Referencias</a:t>
                       </a:r>
-                      <a:endParaRPr lang="es-CO" sz="900">
+                      <a:endParaRPr lang="es-CO" sz="1000" dirty="0">
                         <a:solidFill>
                           <a:schemeClr val="tx1"/>
                         </a:solidFill>
@@ -4302,7 +4330,7 @@
                         </a:spcAft>
                       </a:pPr>
                       <a:r>
-                        <a:rPr lang="es-VE" sz="900" dirty="0">
+                        <a:rPr lang="es-VE" sz="1000" dirty="0">
                           <a:solidFill>
                             <a:schemeClr val="tx1"/>
                           </a:solidFill>
@@ -4310,7 +4338,24 @@
                         </a:rPr>
                         <a:t> </a:t>
                       </a:r>
-                      <a:endParaRPr lang="es-CO" sz="900" dirty="0">
+                      <a:br>
+                        <a:rPr lang="es-CO" sz="1000" b="0" dirty="0">
+                          <a:solidFill>
+                            <a:schemeClr val="tx1"/>
+                          </a:solidFill>
+                          <a:effectLst/>
+                        </a:rPr>
+                      </a:br>
+                      <a:r>
+                        <a:rPr lang="es-VE" sz="1000" b="1" dirty="0">
+                          <a:solidFill>
+                            <a:schemeClr val="tx1"/>
+                          </a:solidFill>
+                          <a:effectLst/>
+                        </a:rPr>
+                        <a:t>CU002</a:t>
+                      </a:r>
+                      <a:endParaRPr lang="es-CO" sz="1000" b="1" dirty="0">
                         <a:solidFill>
                           <a:schemeClr val="tx1"/>
                         </a:solidFill>
@@ -4327,32 +4372,7 @@
                         </a:spcAft>
                       </a:pPr>
                       <a:r>
-                        <a:rPr lang="es-VE" sz="900" b="1" dirty="0">
-                          <a:solidFill>
-                            <a:schemeClr val="tx1"/>
-                          </a:solidFill>
-                          <a:effectLst/>
-                        </a:rPr>
-                        <a:t>CU002</a:t>
-                      </a:r>
-                      <a:endParaRPr lang="es-CO" sz="900" b="1" dirty="0">
-                        <a:solidFill>
-                          <a:schemeClr val="tx1"/>
-                        </a:solidFill>
-                        <a:effectLst/>
-                      </a:endParaRPr>
-                    </a:p>
-                    <a:p>
-                      <a:pPr algn="l">
-                        <a:lnSpc>
-                          <a:spcPct val="115000"/>
-                        </a:lnSpc>
-                        <a:spcAft>
-                          <a:spcPts val="1000"/>
-                        </a:spcAft>
-                      </a:pPr>
-                      <a:r>
-                        <a:rPr lang="es-VE" sz="900" dirty="0">
+                        <a:rPr lang="es-VE" sz="1000" dirty="0">
                           <a:solidFill>
                             <a:schemeClr val="tx1"/>
                           </a:solidFill>
@@ -4360,7 +4380,7 @@
                         </a:rPr>
                         <a:t> </a:t>
                       </a:r>
-                      <a:endParaRPr lang="es-CO" sz="900" dirty="0">
+                      <a:endParaRPr lang="es-CO" sz="1000" dirty="0">
                         <a:solidFill>
                           <a:schemeClr val="tx1"/>
                         </a:solidFill>
@@ -4395,7 +4415,7 @@
                   </a:ext>
                 </a:extLst>
               </a:tr>
-              <a:tr h="751618">
+              <a:tr h="352603">
                 <a:tc vMerge="1">
                   <a:txBody>
                     <a:bodyPr/>
@@ -4420,32 +4440,7 @@
                         </a:spcAft>
                       </a:pPr>
                       <a:r>
-                        <a:rPr lang="es-VE" sz="900" dirty="0">
-                          <a:solidFill>
-                            <a:schemeClr val="tx1"/>
-                          </a:solidFill>
-                          <a:effectLst/>
-                        </a:rPr>
-                        <a:t> </a:t>
-                      </a:r>
-                      <a:endParaRPr lang="es-CO" sz="900" dirty="0">
-                        <a:solidFill>
-                          <a:schemeClr val="tx1"/>
-                        </a:solidFill>
-                        <a:effectLst/>
-                      </a:endParaRPr>
-                    </a:p>
-                    <a:p>
-                      <a:pPr algn="l">
-                        <a:lnSpc>
-                          <a:spcPct val="115000"/>
-                        </a:lnSpc>
-                        <a:spcAft>
-                          <a:spcPts val="1000"/>
-                        </a:spcAft>
-                      </a:pPr>
-                      <a:r>
-                        <a:rPr lang="es-VE" sz="900" b="1" dirty="0">
+                        <a:rPr lang="es-VE" sz="1000" b="1" dirty="0">
                           <a:solidFill>
                             <a:schemeClr val="tx1"/>
                           </a:solidFill>
@@ -4453,39 +4448,11 @@
                         </a:rPr>
                         <a:t>RF- 02</a:t>
                       </a:r>
-                      <a:endParaRPr lang="es-CO" sz="900" b="1" dirty="0">
-                        <a:solidFill>
-                          <a:schemeClr val="tx1"/>
-                        </a:solidFill>
-                        <a:effectLst/>
-                      </a:endParaRPr>
-                    </a:p>
-                    <a:p>
-                      <a:pPr algn="l">
-                        <a:lnSpc>
-                          <a:spcPct val="115000"/>
-                        </a:lnSpc>
-                        <a:spcAft>
-                          <a:spcPts val="1000"/>
-                        </a:spcAft>
-                      </a:pPr>
-                      <a:r>
-                        <a:rPr lang="es-VE" sz="900" dirty="0">
-                          <a:solidFill>
-                            <a:schemeClr val="tx1"/>
-                          </a:solidFill>
-                          <a:effectLst/>
-                        </a:rPr>
-                        <a:t> </a:t>
-                      </a:r>
-                      <a:endParaRPr lang="es-CO" sz="900" dirty="0">
-                        <a:solidFill>
-                          <a:schemeClr val="tx1"/>
-                        </a:solidFill>
-                        <a:effectLst/>
-                        <a:latin typeface="Arial" panose="020B0604020202020204" pitchFamily="34" charset="0"/>
-                        <a:ea typeface="Calibri" panose="020F0502020204030204" pitchFamily="34" charset="0"/>
-                        <a:cs typeface="Times New Roman" panose="02020603050405020304" pitchFamily="18" charset="0"/>
+                      <a:endParaRPr lang="es-CO" sz="1000" b="1" dirty="0">
+                        <a:solidFill>
+                          <a:schemeClr val="tx1"/>
+                        </a:solidFill>
+                        <a:effectLst/>
                       </a:endParaRPr>
                     </a:p>
                   </a:txBody>
@@ -4513,7 +4480,7 @@
                   </a:ext>
                 </a:extLst>
               </a:tr>
-              <a:tr h="154690">
+              <a:tr h="232500">
                 <a:tc>
                   <a:txBody>
                     <a:bodyPr/>
@@ -4528,7 +4495,7 @@
                         </a:spcAft>
                       </a:pPr>
                       <a:r>
-                        <a:rPr lang="es-VE" sz="900">
+                        <a:rPr lang="es-VE" sz="1000">
                           <a:solidFill>
                             <a:schemeClr val="tx1"/>
                           </a:solidFill>
@@ -4536,7 +4503,7 @@
                         </a:rPr>
                         <a:t>Precondición</a:t>
                       </a:r>
-                      <a:endParaRPr lang="es-CO" sz="900">
+                      <a:endParaRPr lang="es-CO" sz="1000">
                         <a:solidFill>
                           <a:schemeClr val="tx1"/>
                         </a:solidFill>
@@ -4569,15 +4536,15 @@
                         </a:spcAft>
                       </a:pPr>
                       <a:r>
-                        <a:rPr lang="es-VE" sz="900">
-                          <a:solidFill>
-                            <a:schemeClr val="tx1"/>
-                          </a:solidFill>
-                          <a:effectLst/>
-                        </a:rPr>
-                        <a:t>Suscripción activa.</a:t>
-                      </a:r>
-                      <a:endParaRPr lang="es-CO" sz="900">
+                        <a:rPr lang="es-VE" sz="1000" dirty="0">
+                          <a:solidFill>
+                            <a:schemeClr val="tx1"/>
+                          </a:solidFill>
+                          <a:effectLst/>
+                        </a:rPr>
+                        <a:t>Suscripción activa o contrato.</a:t>
+                      </a:r>
+                      <a:endParaRPr lang="es-CO" sz="1000" dirty="0">
                         <a:solidFill>
                           <a:schemeClr val="tx1"/>
                         </a:solidFill>
@@ -4612,7 +4579,7 @@
                   </a:ext>
                 </a:extLst>
               </a:tr>
-              <a:tr h="154690">
+              <a:tr h="211223">
                 <a:tc>
                   <a:txBody>
                     <a:bodyPr/>
@@ -4627,7 +4594,7 @@
                         </a:spcAft>
                       </a:pPr>
                       <a:r>
-                        <a:rPr lang="es-VE" sz="900">
+                        <a:rPr lang="es-VE" sz="1000">
                           <a:solidFill>
                             <a:schemeClr val="tx1"/>
                           </a:solidFill>
@@ -4635,7 +4602,7 @@
                         </a:rPr>
                         <a:t>Postcondición</a:t>
                       </a:r>
-                      <a:endParaRPr lang="es-CO" sz="900">
+                      <a:endParaRPr lang="es-CO" sz="1000">
                         <a:solidFill>
                           <a:schemeClr val="tx1"/>
                         </a:solidFill>
@@ -4668,7 +4635,7 @@
                         </a:spcAft>
                       </a:pPr>
                       <a:r>
-                        <a:rPr lang="es-VE" sz="900">
+                        <a:rPr lang="es-VE" sz="1000" dirty="0">
                           <a:solidFill>
                             <a:schemeClr val="tx1"/>
                           </a:solidFill>
@@ -4676,7 +4643,7 @@
                         </a:rPr>
                         <a:t>Registro en el sistema.</a:t>
                       </a:r>
-                      <a:endParaRPr lang="es-CO" sz="900">
+                      <a:endParaRPr lang="es-CO" sz="1000" dirty="0">
                         <a:solidFill>
                           <a:schemeClr val="tx1"/>
                         </a:solidFill>
@@ -4711,7 +4678,7 @@
                   </a:ext>
                 </a:extLst>
               </a:tr>
-              <a:tr h="485370">
+              <a:tr h="550820">
                 <a:tc>
                   <a:txBody>
                     <a:bodyPr/>
@@ -4726,7 +4693,7 @@
                         </a:spcAft>
                       </a:pPr>
                       <a:r>
-                        <a:rPr lang="es-VE" sz="900">
+                        <a:rPr lang="es-VE" sz="1000">
                           <a:solidFill>
                             <a:schemeClr val="tx1"/>
                           </a:solidFill>
@@ -4734,7 +4701,7 @@
                         </a:rPr>
                         <a:t>Descripción</a:t>
                       </a:r>
-                      <a:endParaRPr lang="es-CO" sz="900">
+                      <a:endParaRPr lang="es-CO" sz="1000">
                         <a:solidFill>
                           <a:schemeClr val="tx1"/>
                         </a:solidFill>
@@ -4767,7 +4734,7 @@
                         </a:spcAft>
                       </a:pPr>
                       <a:r>
-                        <a:rPr lang="es-VE" sz="900" dirty="0">
+                        <a:rPr lang="es-VE" sz="1000" dirty="0">
                           <a:solidFill>
                             <a:schemeClr val="tx1"/>
                           </a:solidFill>
@@ -4775,7 +4742,7 @@
                         </a:rPr>
                         <a:t>El sistema registra nuevos clientes, con los siguientes datos: Documento de identificación, nombre de cliente, apellidos de cliente, tiempo de suscripción, número de contacto, correo electrónico.</a:t>
                       </a:r>
-                      <a:endParaRPr lang="es-CO" sz="900" dirty="0">
+                      <a:endParaRPr lang="es-CO" sz="1000" dirty="0">
                         <a:solidFill>
                           <a:schemeClr val="tx1"/>
                         </a:solidFill>
@@ -4810,7 +4777,7 @@
                   </a:ext>
                 </a:extLst>
               </a:tr>
-              <a:tr h="485370">
+              <a:tr h="624031">
                 <a:tc>
                   <a:txBody>
                     <a:bodyPr/>
@@ -4825,7 +4792,7 @@
                         </a:spcAft>
                       </a:pPr>
                       <a:r>
-                        <a:rPr lang="es-VE" sz="900">
+                        <a:rPr lang="es-VE" sz="1000">
                           <a:solidFill>
                             <a:schemeClr val="tx1"/>
                           </a:solidFill>
@@ -4833,7 +4800,7 @@
                         </a:rPr>
                         <a:t>Resumen</a:t>
                       </a:r>
-                      <a:endParaRPr lang="es-CO" sz="900">
+                      <a:endParaRPr lang="es-CO" sz="1000">
                         <a:solidFill>
                           <a:schemeClr val="tx1"/>
                         </a:solidFill>
@@ -4866,7 +4833,7 @@
                         </a:spcAft>
                       </a:pPr>
                       <a:r>
-                        <a:rPr lang="es-VE" sz="900" dirty="0">
+                        <a:rPr lang="es-VE" sz="1000" dirty="0">
                           <a:solidFill>
                             <a:schemeClr val="tx1"/>
                           </a:solidFill>
@@ -4874,7 +4841,7 @@
                         </a:rPr>
                         <a:t>El cliente ingresa sus datos al sistema para registrarse, el sistema verificará que tenga la suscripción activa y registrará los datos en la base de datos. </a:t>
                       </a:r>
-                      <a:endParaRPr lang="es-CO" sz="900" dirty="0">
+                      <a:endParaRPr lang="es-CO" sz="1000" dirty="0">
                         <a:solidFill>
                           <a:schemeClr val="tx1"/>
                         </a:solidFill>
@@ -4928,14 +4895,14 @@
           <p:nvPr>
             <p:extLst>
               <p:ext uri="{D42A27DB-BD31-4B8C-83A1-F6EECF244321}">
-                <p14:modId xmlns:p14="http://schemas.microsoft.com/office/powerpoint/2010/main" val="1000058840"/>
+                <p14:modId xmlns:p14="http://schemas.microsoft.com/office/powerpoint/2010/main" val="2883633565"/>
               </p:ext>
             </p:extLst>
           </p:nvPr>
         </p:nvGraphicFramePr>
         <p:xfrm>
-          <a:off x="4572000" y="1884612"/>
-          <a:ext cx="4292600" cy="2303020"/>
+          <a:off x="4889500" y="1884612"/>
+          <a:ext cx="4197348" cy="2641538"/>
         </p:xfrm>
         <a:graphic>
           <a:graphicData uri="http://schemas.openxmlformats.org/drawingml/2006/table">
@@ -4944,21 +4911,21 @@
                 <a:tableStyleId>{5C22544A-7EE6-4342-B048-85BDC9FD1C3A}</a:tableStyleId>
               </a:tblPr>
               <a:tblGrid>
-                <a:gridCol w="551835">
+                <a:gridCol w="539589">
                   <a:extLst>
                     <a:ext uri="{9D8B030D-6E8A-4147-A177-3AD203B41FA5}">
                       <a16:colId xmlns:a16="http://schemas.microsoft.com/office/drawing/2014/main" val="249941085"/>
                     </a:ext>
                   </a:extLst>
                 </a:gridCol>
-                <a:gridCol w="1718517">
+                <a:gridCol w="1680384">
                   <a:extLst>
                     <a:ext uri="{9D8B030D-6E8A-4147-A177-3AD203B41FA5}">
                       <a16:colId xmlns:a16="http://schemas.microsoft.com/office/drawing/2014/main" val="823282906"/>
                     </a:ext>
                   </a:extLst>
                 </a:gridCol>
-                <a:gridCol w="2022248">
+                <a:gridCol w="1977375">
                   <a:extLst>
                     <a:ext uri="{9D8B030D-6E8A-4147-A177-3AD203B41FA5}">
                       <a16:colId xmlns:a16="http://schemas.microsoft.com/office/drawing/2014/main" val="4148337691"/>
@@ -5377,7 +5344,7 @@
                           </a:solidFill>
                           <a:effectLst/>
                         </a:rPr>
-                        <a:t>Actores                                           Sistema:</a:t>
+                        <a:t>Actores:                                              Sistema:</a:t>
                       </a:r>
                       <a:endParaRPr lang="es-CO" sz="1200" dirty="0">
                         <a:solidFill>
@@ -5402,14 +5369,8 @@
                           </a:solidFill>
                           <a:effectLst/>
                         </a:rPr>
-                        <a:t>-Ingresar los datos:                          -Verificar la suscripción activa.</a:t>
-                      </a:r>
-                      <a:endParaRPr lang="es-CO" sz="1200" dirty="0">
-                        <a:solidFill>
-                          <a:schemeClr val="tx1"/>
-                        </a:solidFill>
-                        <a:effectLst/>
-                      </a:endParaRPr>
+                        <a:t>-Ingresar los datos:                         -Verificar la suscripción activa</a:t>
+                      </a:r>
                     </a:p>
                     <a:p>
                       <a:pPr marL="342900" lvl="0" indent="-342900">
@@ -5426,14 +5387,8 @@
                           </a:solidFill>
                           <a:effectLst/>
                         </a:rPr>
-                        <a:t>Doc. Identidad.                     -Registrar los datos ingresados.</a:t>
-                      </a:r>
-                      <a:endParaRPr lang="es-CO" sz="1200" dirty="0">
-                        <a:solidFill>
-                          <a:schemeClr val="tx1"/>
-                        </a:solidFill>
-                        <a:effectLst/>
-                      </a:endParaRPr>
+                        <a:t>Doc. Identidad.                      -Verificar contrato entrenador</a:t>
+                      </a:r>
                     </a:p>
                     <a:p>
                       <a:pPr marL="342900" lvl="0" indent="-342900">
@@ -5450,7 +5405,7 @@
                           </a:solidFill>
                           <a:effectLst/>
                         </a:rPr>
-                        <a:t>Nombre completo.</a:t>
+                        <a:t>Nombre completo.                 </a:t>
                       </a:r>
                       <a:endParaRPr lang="es-CO" sz="1200" dirty="0">
                         <a:solidFill>
@@ -5474,7 +5429,7 @@
                           </a:solidFill>
                           <a:effectLst/>
                         </a:rPr>
-                        <a:t>Tiempo suscripción.</a:t>
+                        <a:t>Tiempo suscripción.             -Guardar en la base de datos</a:t>
                       </a:r>
                       <a:endParaRPr lang="es-CO" sz="1200" dirty="0">
                         <a:solidFill>
@@ -5519,22 +5474,41 @@
                         <a:buChar char=""/>
                       </a:pPr>
                       <a:r>
+                        <a:rPr lang="es-CO" sz="1200" dirty="0">
+                          <a:solidFill>
+                            <a:schemeClr val="tx1"/>
+                          </a:solidFill>
+                          <a:effectLst/>
+                          <a:latin typeface="+mj-lt"/>
+                          <a:ea typeface="Calibri" panose="020F0502020204030204" pitchFamily="34" charset="0"/>
+                          <a:cs typeface="Times New Roman" panose="02020603050405020304" pitchFamily="18" charset="0"/>
+                        </a:rPr>
+                        <a:t>Email.</a:t>
+                      </a:r>
+                    </a:p>
+                    <a:p>
+                      <a:pPr>
+                        <a:lnSpc>
+                          <a:spcPct val="115000"/>
+                        </a:lnSpc>
+                        <a:spcAft>
+                          <a:spcPts val="1000"/>
+                        </a:spcAft>
+                      </a:pPr>
+                      <a:r>
                         <a:rPr lang="es-VE" sz="1200" dirty="0">
                           <a:solidFill>
                             <a:schemeClr val="tx1"/>
                           </a:solidFill>
                           <a:effectLst/>
                         </a:rPr>
-                        <a:t>Email.</a:t>
+                        <a:t>             </a:t>
                       </a:r>
                       <a:endParaRPr lang="es-CO" sz="1200" dirty="0">
                         <a:solidFill>
                           <a:schemeClr val="tx1"/>
                         </a:solidFill>
                         <a:effectLst/>
-                        <a:latin typeface="Arial" panose="020B0604020202020204" pitchFamily="34" charset="0"/>
-                        <a:ea typeface="Calibri" panose="020F0502020204030204" pitchFamily="34" charset="0"/>
-                        <a:cs typeface="Times New Roman" panose="02020603050405020304" pitchFamily="18" charset="0"/>
                       </a:endParaRPr>
                     </a:p>
                   </a:txBody>
@@ -5969,7 +5943,7 @@
                         </a:spcAft>
                       </a:pPr>
                       <a:r>
-                        <a:rPr lang="es-VE" sz="1200">
+                        <a:rPr lang="es-VE" sz="1200" dirty="0">
                           <a:solidFill>
                             <a:schemeClr val="tx1"/>
                           </a:solidFill>
@@ -5977,7 +5951,7 @@
                         </a:rPr>
                         <a:t>Entrenador, cliente, administrador y sistema.</a:t>
                       </a:r>
-                      <a:endParaRPr lang="es-CO" sz="1200">
+                      <a:endParaRPr lang="es-CO" sz="1200" dirty="0">
                         <a:solidFill>
                           <a:schemeClr val="tx1"/>
                         </a:solidFill>
@@ -6068,7 +6042,7 @@
                         </a:spcAft>
                       </a:pPr>
                       <a:r>
-                        <a:rPr lang="es-VE" sz="1200">
+                        <a:rPr lang="es-VE" sz="1200" dirty="0">
                           <a:solidFill>
                             <a:schemeClr val="tx1"/>
                           </a:solidFill>
@@ -6076,7 +6050,7 @@
                         </a:rPr>
                         <a:t>Primario.</a:t>
                       </a:r>
-                      <a:endParaRPr lang="es-CO" sz="1200">
+                      <a:endParaRPr lang="es-CO" sz="1200" dirty="0">
                         <a:solidFill>
                           <a:schemeClr val="tx1"/>
                         </a:solidFill>
@@ -6693,14 +6667,14 @@
           <p:nvPr>
             <p:extLst>
               <p:ext uri="{D42A27DB-BD31-4B8C-83A1-F6EECF244321}">
-                <p14:modId xmlns:p14="http://schemas.microsoft.com/office/powerpoint/2010/main" val="3842041862"/>
+                <p14:modId xmlns:p14="http://schemas.microsoft.com/office/powerpoint/2010/main" val="3809082012"/>
               </p:ext>
             </p:extLst>
           </p:nvPr>
         </p:nvGraphicFramePr>
         <p:xfrm>
-          <a:off x="4741332" y="1881416"/>
-          <a:ext cx="4309535" cy="2206183"/>
+          <a:off x="4741330" y="1881416"/>
+          <a:ext cx="4309535" cy="2061936"/>
         </p:xfrm>
         <a:graphic>
           <a:graphicData uri="http://schemas.openxmlformats.org/drawingml/2006/table">
@@ -6731,7 +6705,7 @@
                   </a:extLst>
                 </a:gridCol>
               </a:tblGrid>
-              <a:tr h="0">
+              <a:tr h="203301">
                 <a:tc>
                   <a:txBody>
                     <a:bodyPr/>
@@ -6861,7 +6835,7 @@
                   </a:ext>
                 </a:extLst>
               </a:tr>
-              <a:tr h="0">
+              <a:tr h="203301">
                 <a:tc>
                   <a:txBody>
                     <a:bodyPr/>
@@ -6991,7 +6965,7 @@
                   </a:ext>
                 </a:extLst>
               </a:tr>
-              <a:tr h="0">
+              <a:tr h="203301">
                 <a:tc>
                   <a:txBody>
                     <a:bodyPr/>
@@ -7121,7 +7095,7 @@
                   </a:ext>
                 </a:extLst>
               </a:tr>
-              <a:tr h="0">
+              <a:tr h="203301">
                 <a:tc>
                   <a:txBody>
                     <a:bodyPr/>
@@ -7251,7 +7225,7 @@
                   </a:ext>
                 </a:extLst>
               </a:tr>
-              <a:tr h="0">
+              <a:tr h="1248732">
                 <a:tc gridSpan="3">
                   <a:txBody>
                     <a:bodyPr/>
@@ -7272,7 +7246,7 @@
                           </a:solidFill>
                           <a:effectLst/>
                         </a:rPr>
-                        <a:t>Actores                                           Sistema:</a:t>
+                        <a:t>Actores:                                              Sistema:</a:t>
                       </a:r>
                       <a:endParaRPr lang="es-CO" sz="1200" dirty="0">
                         <a:solidFill>
@@ -7297,7 +7271,7 @@
                           </a:solidFill>
                           <a:effectLst/>
                         </a:rPr>
-                        <a:t>-Registro en base de datos             -Verificar y control de base de datos.</a:t>
+                        <a:t>-Registro en base de datos             -Verificar en la base de datos</a:t>
                       </a:r>
                       <a:endParaRPr lang="es-CO" sz="1200" dirty="0">
                         <a:solidFill>
@@ -9259,7 +9233,7 @@
           <p:nvPr>
             <p:extLst>
               <p:ext uri="{D42A27DB-BD31-4B8C-83A1-F6EECF244321}">
-                <p14:modId xmlns:p14="http://schemas.microsoft.com/office/powerpoint/2010/main" val="3803740232"/>
+                <p14:modId xmlns:p14="http://schemas.microsoft.com/office/powerpoint/2010/main" val="4209661010"/>
               </p:ext>
             </p:extLst>
           </p:nvPr>
@@ -9780,7 +9754,7 @@
                           </a:solidFill>
                           <a:effectLst/>
                         </a:rPr>
-                        <a:t>RF - 05</a:t>
+                        <a:t>RF - 04</a:t>
                       </a:r>
                       <a:endParaRPr lang="es-CO" sz="1200" b="1" dirty="0">
                         <a:solidFill>
@@ -9972,7 +9946,7 @@
                         </a:spcAft>
                       </a:pPr>
                       <a:r>
-                        <a:rPr lang="es-VE" sz="1200">
+                        <a:rPr lang="es-VE" sz="1200" dirty="0">
                           <a:solidFill>
                             <a:schemeClr val="tx1"/>
                           </a:solidFill>
@@ -9980,7 +9954,7 @@
                         </a:rPr>
                         <a:t>Formular preguntas.</a:t>
                       </a:r>
-                      <a:endParaRPr lang="es-CO" sz="1200">
+                      <a:endParaRPr lang="es-CO" sz="1200" dirty="0">
                         <a:solidFill>
                           <a:schemeClr val="tx1"/>
                         </a:solidFill>
@@ -10176,7 +10150,7 @@
                           </a:solidFill>
                           <a:effectLst/>
                         </a:rPr>
-                        <a:t>Habrá un foro de comunicación en el cual los integrantes y personal del gimnasio, participarán a través de la modalidad de preguntas y respuestas. El entrenador contará con la posibilidad de subir anuncios con respecto a las clases y horarios. </a:t>
+                        <a:t>Habrá un foro de comunicación en el cual los clientes y entrenadores participarán a través de la modalidad de preguntas y respuestas. El entrenador puede subir novedades con respecto a las clases y horarios. </a:t>
                       </a:r>
                       <a:endParaRPr lang="es-CO" sz="1200" dirty="0">
                         <a:solidFill>
@@ -10232,14 +10206,14 @@
           <p:nvPr>
             <p:extLst>
               <p:ext uri="{D42A27DB-BD31-4B8C-83A1-F6EECF244321}">
-                <p14:modId xmlns:p14="http://schemas.microsoft.com/office/powerpoint/2010/main" val="1630364648"/>
+                <p14:modId xmlns:p14="http://schemas.microsoft.com/office/powerpoint/2010/main" val="1090748605"/>
               </p:ext>
             </p:extLst>
           </p:nvPr>
         </p:nvGraphicFramePr>
         <p:xfrm>
-          <a:off x="5029399" y="2006713"/>
-          <a:ext cx="3708001" cy="2204716"/>
+          <a:off x="5029397" y="1848529"/>
+          <a:ext cx="3708001" cy="2688844"/>
         </p:xfrm>
         <a:graphic>
           <a:graphicData uri="http://schemas.openxmlformats.org/drawingml/2006/table">
@@ -10270,7 +10244,7 @@
                   </a:extLst>
                 </a:gridCol>
               </a:tblGrid>
-              <a:tr h="150587">
+              <a:tr h="151505">
                 <a:tc>
                   <a:txBody>
                     <a:bodyPr/>
@@ -10285,20 +10259,21 @@
                         </a:spcAft>
                       </a:pPr>
                       <a:r>
-                        <a:rPr lang="es-VE" sz="1000">
-                          <a:solidFill>
-                            <a:schemeClr val="tx1"/>
-                          </a:solidFill>
-                          <a:effectLst/>
+                        <a:rPr lang="es-VE" sz="1200">
+                          <a:solidFill>
+                            <a:schemeClr val="tx1"/>
+                          </a:solidFill>
+                          <a:effectLst/>
+                          <a:latin typeface="+mj-lt"/>
                         </a:rPr>
                         <a:t>Nro.</a:t>
                       </a:r>
-                      <a:endParaRPr lang="es-CO" sz="1000">
-                        <a:solidFill>
-                          <a:schemeClr val="tx1"/>
-                        </a:solidFill>
-                        <a:effectLst/>
-                        <a:latin typeface="Arial" panose="020B0604020202020204" pitchFamily="34" charset="0"/>
+                      <a:endParaRPr lang="es-CO" sz="1200">
+                        <a:solidFill>
+                          <a:schemeClr val="tx1"/>
+                        </a:solidFill>
+                        <a:effectLst/>
+                        <a:latin typeface="+mj-lt"/>
                         <a:ea typeface="Calibri" panose="020F0502020204030204" pitchFamily="34" charset="0"/>
                         <a:cs typeface="Times New Roman" panose="02020603050405020304" pitchFamily="18" charset="0"/>
                       </a:endParaRPr>
@@ -10326,20 +10301,21 @@
                         </a:spcAft>
                       </a:pPr>
                       <a:r>
-                        <a:rPr lang="es-VE" sz="1000" dirty="0">
-                          <a:solidFill>
-                            <a:schemeClr val="tx1"/>
-                          </a:solidFill>
-                          <a:effectLst/>
+                        <a:rPr lang="es-VE" sz="1200" dirty="0">
+                          <a:solidFill>
+                            <a:schemeClr val="tx1"/>
+                          </a:solidFill>
+                          <a:effectLst/>
+                          <a:latin typeface="+mj-lt"/>
                         </a:rPr>
                         <a:t>Ejecutor</a:t>
                       </a:r>
-                      <a:endParaRPr lang="es-CO" sz="1000" dirty="0">
-                        <a:solidFill>
-                          <a:schemeClr val="tx1"/>
-                        </a:solidFill>
-                        <a:effectLst/>
-                        <a:latin typeface="Arial" panose="020B0604020202020204" pitchFamily="34" charset="0"/>
+                      <a:endParaRPr lang="es-CO" sz="1200" dirty="0">
+                        <a:solidFill>
+                          <a:schemeClr val="tx1"/>
+                        </a:solidFill>
+                        <a:effectLst/>
+                        <a:latin typeface="+mj-lt"/>
                         <a:ea typeface="Calibri" panose="020F0502020204030204" pitchFamily="34" charset="0"/>
                         <a:cs typeface="Times New Roman" panose="02020603050405020304" pitchFamily="18" charset="0"/>
                       </a:endParaRPr>
@@ -10367,20 +10343,21 @@
                         </a:spcAft>
                       </a:pPr>
                       <a:r>
-                        <a:rPr lang="es-VE" sz="1000" dirty="0">
-                          <a:solidFill>
-                            <a:schemeClr val="tx1"/>
-                          </a:solidFill>
-                          <a:effectLst/>
+                        <a:rPr lang="es-VE" sz="1200" dirty="0">
+                          <a:solidFill>
+                            <a:schemeClr val="tx1"/>
+                          </a:solidFill>
+                          <a:effectLst/>
+                          <a:latin typeface="+mj-lt"/>
                         </a:rPr>
                         <a:t>Paso o Actividad</a:t>
                       </a:r>
-                      <a:endParaRPr lang="es-CO" sz="1000" dirty="0">
-                        <a:solidFill>
-                          <a:schemeClr val="tx1"/>
-                        </a:solidFill>
-                        <a:effectLst/>
-                        <a:latin typeface="Arial" panose="020B0604020202020204" pitchFamily="34" charset="0"/>
+                      <a:endParaRPr lang="es-CO" sz="1200" dirty="0">
+                        <a:solidFill>
+                          <a:schemeClr val="tx1"/>
+                        </a:solidFill>
+                        <a:effectLst/>
+                        <a:latin typeface="+mj-lt"/>
                         <a:ea typeface="Calibri" panose="020F0502020204030204" pitchFamily="34" charset="0"/>
                         <a:cs typeface="Times New Roman" panose="02020603050405020304" pitchFamily="18" charset="0"/>
                       </a:endParaRPr>
@@ -10415,20 +10392,21 @@
                         </a:spcAft>
                       </a:pPr>
                       <a:r>
-                        <a:rPr lang="es-VE" sz="1000">
-                          <a:solidFill>
-                            <a:schemeClr val="tx1"/>
-                          </a:solidFill>
-                          <a:effectLst/>
+                        <a:rPr lang="es-VE" sz="1200">
+                          <a:solidFill>
+                            <a:schemeClr val="tx1"/>
+                          </a:solidFill>
+                          <a:effectLst/>
+                          <a:latin typeface="+mj-lt"/>
                         </a:rPr>
                         <a:t>4</a:t>
                       </a:r>
-                      <a:endParaRPr lang="es-CO" sz="1000">
-                        <a:solidFill>
-                          <a:schemeClr val="tx1"/>
-                        </a:solidFill>
-                        <a:effectLst/>
-                        <a:latin typeface="Arial" panose="020B0604020202020204" pitchFamily="34" charset="0"/>
+                      <a:endParaRPr lang="es-CO" sz="1200">
+                        <a:solidFill>
+                          <a:schemeClr val="tx1"/>
+                        </a:solidFill>
+                        <a:effectLst/>
+                        <a:latin typeface="+mj-lt"/>
                         <a:ea typeface="Calibri" panose="020F0502020204030204" pitchFamily="34" charset="0"/>
                         <a:cs typeface="Times New Roman" panose="02020603050405020304" pitchFamily="18" charset="0"/>
                       </a:endParaRPr>
@@ -10456,20 +10434,21 @@
                         </a:spcAft>
                       </a:pPr>
                       <a:r>
-                        <a:rPr lang="es-VE" sz="1000">
-                          <a:solidFill>
-                            <a:schemeClr val="tx1"/>
-                          </a:solidFill>
-                          <a:effectLst/>
+                        <a:rPr lang="es-VE" sz="1200" dirty="0">
+                          <a:solidFill>
+                            <a:schemeClr val="tx1"/>
+                          </a:solidFill>
+                          <a:effectLst/>
+                          <a:latin typeface="+mj-lt"/>
                         </a:rPr>
                         <a:t>-Cliente</a:t>
                       </a:r>
-                      <a:endParaRPr lang="es-CO" sz="1000">
-                        <a:solidFill>
-                          <a:schemeClr val="tx1"/>
-                        </a:solidFill>
-                        <a:effectLst/>
-                        <a:latin typeface="Arial" panose="020B0604020202020204" pitchFamily="34" charset="0"/>
+                      <a:endParaRPr lang="es-CO" sz="1200" dirty="0">
+                        <a:solidFill>
+                          <a:schemeClr val="tx1"/>
+                        </a:solidFill>
+                        <a:effectLst/>
+                        <a:latin typeface="+mj-lt"/>
                         <a:ea typeface="Calibri" panose="020F0502020204030204" pitchFamily="34" charset="0"/>
                         <a:cs typeface="Times New Roman" panose="02020603050405020304" pitchFamily="18" charset="0"/>
                       </a:endParaRPr>
@@ -10497,20 +10476,21 @@
                         </a:spcAft>
                       </a:pPr>
                       <a:r>
-                        <a:rPr lang="es-VE" sz="1000">
-                          <a:solidFill>
-                            <a:schemeClr val="tx1"/>
-                          </a:solidFill>
-                          <a:effectLst/>
+                        <a:rPr lang="es-VE" sz="1200">
+                          <a:solidFill>
+                            <a:schemeClr val="tx1"/>
+                          </a:solidFill>
+                          <a:effectLst/>
+                          <a:latin typeface="+mj-lt"/>
                         </a:rPr>
                         <a:t>Formular preguntas</a:t>
                       </a:r>
-                      <a:endParaRPr lang="es-CO" sz="1000">
-                        <a:solidFill>
-                          <a:schemeClr val="tx1"/>
-                        </a:solidFill>
-                        <a:effectLst/>
-                        <a:latin typeface="Arial" panose="020B0604020202020204" pitchFamily="34" charset="0"/>
+                      <a:endParaRPr lang="es-CO" sz="1200">
+                        <a:solidFill>
+                          <a:schemeClr val="tx1"/>
+                        </a:solidFill>
+                        <a:effectLst/>
+                        <a:latin typeface="+mj-lt"/>
                         <a:ea typeface="Calibri" panose="020F0502020204030204" pitchFamily="34" charset="0"/>
                         <a:cs typeface="Times New Roman" panose="02020603050405020304" pitchFamily="18" charset="0"/>
                       </a:endParaRPr>
@@ -10545,20 +10525,21 @@
                         </a:spcAft>
                       </a:pPr>
                       <a:r>
-                        <a:rPr lang="es-VE" sz="1000">
-                          <a:solidFill>
-                            <a:schemeClr val="tx1"/>
-                          </a:solidFill>
-                          <a:effectLst/>
+                        <a:rPr lang="es-VE" sz="1200">
+                          <a:solidFill>
+                            <a:schemeClr val="tx1"/>
+                          </a:solidFill>
+                          <a:effectLst/>
+                          <a:latin typeface="+mj-lt"/>
                         </a:rPr>
                         <a:t>5</a:t>
                       </a:r>
-                      <a:endParaRPr lang="es-CO" sz="1000">
-                        <a:solidFill>
-                          <a:schemeClr val="tx1"/>
-                        </a:solidFill>
-                        <a:effectLst/>
-                        <a:latin typeface="Arial" panose="020B0604020202020204" pitchFamily="34" charset="0"/>
+                      <a:endParaRPr lang="es-CO" sz="1200">
+                        <a:solidFill>
+                          <a:schemeClr val="tx1"/>
+                        </a:solidFill>
+                        <a:effectLst/>
+                        <a:latin typeface="+mj-lt"/>
                         <a:ea typeface="Calibri" panose="020F0502020204030204" pitchFamily="34" charset="0"/>
                         <a:cs typeface="Times New Roman" panose="02020603050405020304" pitchFamily="18" charset="0"/>
                       </a:endParaRPr>
@@ -10586,20 +10567,21 @@
                         </a:spcAft>
                       </a:pPr>
                       <a:r>
-                        <a:rPr lang="es-VE" sz="1000">
-                          <a:solidFill>
-                            <a:schemeClr val="tx1"/>
-                          </a:solidFill>
-                          <a:effectLst/>
+                        <a:rPr lang="es-VE" sz="1200">
+                          <a:solidFill>
+                            <a:schemeClr val="tx1"/>
+                          </a:solidFill>
+                          <a:effectLst/>
+                          <a:latin typeface="+mj-lt"/>
                         </a:rPr>
                         <a:t>-Entrenador</a:t>
                       </a:r>
-                      <a:endParaRPr lang="es-CO" sz="1000">
-                        <a:solidFill>
-                          <a:schemeClr val="tx1"/>
-                        </a:solidFill>
-                        <a:effectLst/>
-                        <a:latin typeface="Arial" panose="020B0604020202020204" pitchFamily="34" charset="0"/>
+                      <a:endParaRPr lang="es-CO" sz="1200">
+                        <a:solidFill>
+                          <a:schemeClr val="tx1"/>
+                        </a:solidFill>
+                        <a:effectLst/>
+                        <a:latin typeface="+mj-lt"/>
                         <a:ea typeface="Calibri" panose="020F0502020204030204" pitchFamily="34" charset="0"/>
                         <a:cs typeface="Times New Roman" panose="02020603050405020304" pitchFamily="18" charset="0"/>
                       </a:endParaRPr>
@@ -10627,20 +10609,21 @@
                         </a:spcAft>
                       </a:pPr>
                       <a:r>
-                        <a:rPr lang="es-VE" sz="1000" dirty="0">
-                          <a:solidFill>
-                            <a:schemeClr val="tx1"/>
-                          </a:solidFill>
-                          <a:effectLst/>
+                        <a:rPr lang="es-VE" sz="1200" dirty="0">
+                          <a:solidFill>
+                            <a:schemeClr val="tx1"/>
+                          </a:solidFill>
+                          <a:effectLst/>
+                          <a:latin typeface="+mj-lt"/>
                         </a:rPr>
                         <a:t>Responder preguntas</a:t>
                       </a:r>
-                      <a:endParaRPr lang="es-CO" sz="1000" dirty="0">
-                        <a:solidFill>
-                          <a:schemeClr val="tx1"/>
-                        </a:solidFill>
-                        <a:effectLst/>
-                        <a:latin typeface="Arial" panose="020B0604020202020204" pitchFamily="34" charset="0"/>
+                      <a:endParaRPr lang="es-CO" sz="1200" dirty="0">
+                        <a:solidFill>
+                          <a:schemeClr val="tx1"/>
+                        </a:solidFill>
+                        <a:effectLst/>
+                        <a:latin typeface="+mj-lt"/>
                         <a:ea typeface="Calibri" panose="020F0502020204030204" pitchFamily="34" charset="0"/>
                         <a:cs typeface="Times New Roman" panose="02020603050405020304" pitchFamily="18" charset="0"/>
                       </a:endParaRPr>
@@ -10675,19 +10658,21 @@
                         </a:spcAft>
                       </a:pPr>
                       <a:r>
-                        <a:rPr lang="es-VE" sz="1000" dirty="0">
-                          <a:solidFill>
-                            <a:schemeClr val="tx1"/>
-                          </a:solidFill>
-                          <a:effectLst/>
+                        <a:rPr lang="es-VE" sz="1200" dirty="0">
+                          <a:solidFill>
+                            <a:schemeClr val="tx1"/>
+                          </a:solidFill>
+                          <a:effectLst/>
+                          <a:latin typeface="+mj-lt"/>
                         </a:rPr>
                         <a:t>Actor 4                                                  </a:t>
                       </a:r>
-                      <a:endParaRPr lang="es-CO" sz="1000" dirty="0">
-                        <a:solidFill>
-                          <a:schemeClr val="tx1"/>
-                        </a:solidFill>
-                        <a:effectLst/>
+                      <a:endParaRPr lang="es-CO" sz="1200" dirty="0">
+                        <a:solidFill>
+                          <a:schemeClr val="tx1"/>
+                        </a:solidFill>
+                        <a:effectLst/>
+                        <a:latin typeface="+mj-lt"/>
                       </a:endParaRPr>
                     </a:p>
                     <a:p>
@@ -10700,19 +10685,21 @@
                         </a:spcAft>
                       </a:pPr>
                       <a:r>
-                        <a:rPr lang="es-VE" sz="1000" dirty="0">
-                          <a:solidFill>
-                            <a:schemeClr val="tx1"/>
-                          </a:solidFill>
-                          <a:effectLst/>
+                        <a:rPr lang="es-VE" sz="1200" dirty="0">
+                          <a:solidFill>
+                            <a:schemeClr val="tx1"/>
+                          </a:solidFill>
+                          <a:effectLst/>
+                          <a:latin typeface="+mj-lt"/>
                         </a:rPr>
                         <a:t>-Ingresar al foro.                               </a:t>
                       </a:r>
-                      <a:endParaRPr lang="es-CO" sz="1000" dirty="0">
-                        <a:solidFill>
-                          <a:schemeClr val="tx1"/>
-                        </a:solidFill>
-                        <a:effectLst/>
+                      <a:endParaRPr lang="es-CO" sz="1200" dirty="0">
+                        <a:solidFill>
+                          <a:schemeClr val="tx1"/>
+                        </a:solidFill>
+                        <a:effectLst/>
+                        <a:latin typeface="+mj-lt"/>
                       </a:endParaRPr>
                     </a:p>
                     <a:p>
@@ -10725,19 +10712,21 @@
                         </a:spcAft>
                       </a:pPr>
                       <a:r>
-                        <a:rPr lang="es-VE" sz="1000" dirty="0">
-                          <a:solidFill>
-                            <a:schemeClr val="tx1"/>
-                          </a:solidFill>
-                          <a:effectLst/>
+                        <a:rPr lang="es-VE" sz="1200" dirty="0">
+                          <a:solidFill>
+                            <a:schemeClr val="tx1"/>
+                          </a:solidFill>
+                          <a:effectLst/>
+                          <a:latin typeface="+mj-lt"/>
                         </a:rPr>
                         <a:t>-Formular preguntas.</a:t>
                       </a:r>
-                      <a:endParaRPr lang="es-CO" sz="1000" dirty="0">
-                        <a:solidFill>
-                          <a:schemeClr val="tx1"/>
-                        </a:solidFill>
-                        <a:effectLst/>
+                      <a:endParaRPr lang="es-CO" sz="1200" dirty="0">
+                        <a:solidFill>
+                          <a:schemeClr val="tx1"/>
+                        </a:solidFill>
+                        <a:effectLst/>
+                        <a:latin typeface="+mj-lt"/>
                       </a:endParaRPr>
                     </a:p>
                     <a:p>
@@ -10750,19 +10739,21 @@
                         </a:spcAft>
                       </a:pPr>
                       <a:r>
-                        <a:rPr lang="es-VE" sz="1000" dirty="0">
-                          <a:solidFill>
-                            <a:schemeClr val="tx1"/>
-                          </a:solidFill>
-                          <a:effectLst/>
+                        <a:rPr lang="es-VE" sz="1200" dirty="0">
+                          <a:solidFill>
+                            <a:schemeClr val="tx1"/>
+                          </a:solidFill>
+                          <a:effectLst/>
+                          <a:latin typeface="+mj-lt"/>
                         </a:rPr>
                         <a:t>-Responder preguntas.                        </a:t>
                       </a:r>
-                      <a:endParaRPr lang="es-CO" sz="1000" dirty="0">
-                        <a:solidFill>
-                          <a:schemeClr val="tx1"/>
-                        </a:solidFill>
-                        <a:effectLst/>
+                      <a:endParaRPr lang="es-CO" sz="1200" dirty="0">
+                        <a:solidFill>
+                          <a:schemeClr val="tx1"/>
+                        </a:solidFill>
+                        <a:effectLst/>
+                        <a:latin typeface="+mj-lt"/>
                       </a:endParaRPr>
                     </a:p>
                     <a:p>
@@ -10775,19 +10766,21 @@
                         </a:spcAft>
                       </a:pPr>
                       <a:r>
-                        <a:rPr lang="es-VE" sz="1000" dirty="0">
-                          <a:solidFill>
-                            <a:schemeClr val="tx1"/>
-                          </a:solidFill>
-                          <a:effectLst/>
+                        <a:rPr lang="es-VE" sz="1200" dirty="0">
+                          <a:solidFill>
+                            <a:schemeClr val="tx1"/>
+                          </a:solidFill>
+                          <a:effectLst/>
+                          <a:latin typeface="+mj-lt"/>
                         </a:rPr>
                         <a:t>-Salir del foro.</a:t>
                       </a:r>
-                      <a:endParaRPr lang="es-CO" sz="1000" dirty="0">
-                        <a:solidFill>
-                          <a:schemeClr val="tx1"/>
-                        </a:solidFill>
-                        <a:effectLst/>
+                      <a:endParaRPr lang="es-CO" sz="1200" dirty="0">
+                        <a:solidFill>
+                          <a:schemeClr val="tx1"/>
+                        </a:solidFill>
+                        <a:effectLst/>
+                        <a:latin typeface="+mj-lt"/>
                       </a:endParaRPr>
                     </a:p>
                     <a:p>
@@ -10799,11 +10792,12 @@
                           <a:spcPts val="1000"/>
                         </a:spcAft>
                       </a:pPr>
-                      <a:endParaRPr lang="es-VE" sz="1000" dirty="0">
-                        <a:solidFill>
-                          <a:schemeClr val="tx1"/>
-                        </a:solidFill>
-                        <a:effectLst/>
+                      <a:endParaRPr lang="es-VE" sz="1200" dirty="0">
+                        <a:solidFill>
+                          <a:schemeClr val="tx1"/>
+                        </a:solidFill>
+                        <a:effectLst/>
+                        <a:latin typeface="+mj-lt"/>
                       </a:endParaRPr>
                     </a:p>
                   </a:txBody>
@@ -10856,8 +10850,8 @@
                         <a:tabLst/>
                         <a:defRPr/>
                       </a:pPr>
-                      <a:r>
-                        <a:rPr kumimoji="0" lang="es-VE" sz="1000" b="1" i="0" u="none" strike="noStrike" kern="1200" cap="none" spc="0" normalizeH="0" baseline="0" noProof="0" dirty="0">
+                      <a:br>
+                        <a:rPr kumimoji="0" lang="es-VE" sz="1200" b="1" i="0" u="none" strike="noStrike" kern="1200" cap="none" spc="0" normalizeH="0" baseline="0" noProof="0" dirty="0">
                           <a:ln>
                             <a:noFill/>
                           </a:ln>
@@ -10867,13 +10861,29 @@
                           <a:effectLst/>
                           <a:uLnTx/>
                           <a:uFillTx/>
-                          <a:latin typeface="+mn-lt"/>
+                          <a:latin typeface="+mj-lt"/>
                           <a:ea typeface="+mn-ea"/>
                           <a:cs typeface="+mn-cs"/>
                         </a:rPr>
+                      </a:br>
+                      <a:r>
+                        <a:rPr kumimoji="0" lang="es-VE" sz="1200" b="1" i="0" u="none" strike="noStrike" kern="1200" cap="none" spc="0" normalizeH="0" baseline="0" noProof="0" dirty="0">
+                          <a:ln>
+                            <a:noFill/>
+                          </a:ln>
+                          <a:solidFill>
+                            <a:prstClr val="black"/>
+                          </a:solidFill>
+                          <a:effectLst/>
+                          <a:uLnTx/>
+                          <a:uFillTx/>
+                          <a:latin typeface="+mj-lt"/>
+                          <a:ea typeface="+mn-ea"/>
+                          <a:cs typeface="+mn-cs"/>
+                        </a:rPr>
                         <a:t>Actor 5</a:t>
                       </a:r>
-                      <a:endParaRPr kumimoji="0" lang="es-CO" sz="1000" b="1" i="0" u="none" strike="noStrike" kern="1200" cap="none" spc="0" normalizeH="0" baseline="0" noProof="0" dirty="0">
+                      <a:endParaRPr kumimoji="0" lang="es-CO" sz="1200" b="1" i="0" u="none" strike="noStrike" kern="1200" cap="none" spc="0" normalizeH="0" baseline="0" noProof="0" dirty="0">
                         <a:ln>
                           <a:noFill/>
                         </a:ln>
@@ -10883,7 +10893,7 @@
                         <a:effectLst/>
                         <a:uLnTx/>
                         <a:uFillTx/>
-                        <a:latin typeface="+mn-lt"/>
+                        <a:latin typeface="+mj-lt"/>
                         <a:ea typeface="+mn-ea"/>
                         <a:cs typeface="+mn-cs"/>
                       </a:endParaRPr>
@@ -10907,7 +10917,7 @@
                         <a:defRPr/>
                       </a:pPr>
                       <a:r>
-                        <a:rPr kumimoji="0" lang="es-VE" sz="1000" b="1" i="0" u="none" strike="noStrike" kern="1200" cap="none" spc="0" normalizeH="0" baseline="0" noProof="0" dirty="0">
+                        <a:rPr kumimoji="0" lang="es-VE" sz="1200" b="1" i="0" u="none" strike="noStrike" kern="1200" cap="none" spc="0" normalizeH="0" baseline="0" noProof="0" dirty="0">
                           <a:ln>
                             <a:noFill/>
                           </a:ln>
@@ -10917,13 +10927,13 @@
                           <a:effectLst/>
                           <a:uLnTx/>
                           <a:uFillTx/>
-                          <a:latin typeface="+mn-lt"/>
+                          <a:latin typeface="+mj-lt"/>
                           <a:ea typeface="+mn-ea"/>
                           <a:cs typeface="+mn-cs"/>
                         </a:rPr>
                         <a:t>-Anunciar novedades</a:t>
                       </a:r>
-                      <a:endParaRPr kumimoji="0" lang="es-CO" sz="1000" b="1" i="0" u="none" strike="noStrike" kern="1200" cap="none" spc="0" normalizeH="0" baseline="0" noProof="0" dirty="0">
+                      <a:endParaRPr kumimoji="0" lang="es-CO" sz="1200" b="1" i="0" u="none" strike="noStrike" kern="1200" cap="none" spc="0" normalizeH="0" baseline="0" noProof="0" dirty="0">
                         <a:ln>
                           <a:noFill/>
                         </a:ln>
@@ -10933,7 +10943,7 @@
                         <a:effectLst/>
                         <a:uLnTx/>
                         <a:uFillTx/>
-                        <a:latin typeface="+mn-lt"/>
+                        <a:latin typeface="+mj-lt"/>
                         <a:ea typeface="+mn-ea"/>
                         <a:cs typeface="+mn-cs"/>
                       </a:endParaRPr>
@@ -10957,7 +10967,7 @@
                         <a:defRPr/>
                       </a:pPr>
                       <a:r>
-                        <a:rPr kumimoji="0" lang="es-VE" sz="1000" b="1" i="0" u="none" strike="noStrike" kern="1200" cap="none" spc="0" normalizeH="0" baseline="0" noProof="0" dirty="0">
+                        <a:rPr kumimoji="0" lang="es-VE" sz="1200" b="1" i="0" u="none" strike="noStrike" kern="1200" cap="none" spc="0" normalizeH="0" baseline="0" noProof="0" dirty="0">
                           <a:ln>
                             <a:noFill/>
                           </a:ln>
@@ -10967,13 +10977,13 @@
                           <a:effectLst/>
                           <a:uLnTx/>
                           <a:uFillTx/>
-                          <a:latin typeface="+mn-lt"/>
+                          <a:latin typeface="+mj-lt"/>
                           <a:ea typeface="+mn-ea"/>
                           <a:cs typeface="+mn-cs"/>
                         </a:rPr>
                         <a:t>-Formular preguntas</a:t>
                       </a:r>
-                      <a:endParaRPr kumimoji="0" lang="es-CO" sz="1000" b="1" i="0" u="none" strike="noStrike" kern="1200" cap="none" spc="0" normalizeH="0" baseline="0" noProof="0" dirty="0">
+                      <a:endParaRPr kumimoji="0" lang="es-CO" sz="1200" b="1" i="0" u="none" strike="noStrike" kern="1200" cap="none" spc="0" normalizeH="0" baseline="0" noProof="0" dirty="0">
                         <a:ln>
                           <a:noFill/>
                         </a:ln>
@@ -10983,7 +10993,7 @@
                         <a:effectLst/>
                         <a:uLnTx/>
                         <a:uFillTx/>
-                        <a:latin typeface="+mn-lt"/>
+                        <a:latin typeface="+mj-lt"/>
                         <a:ea typeface="+mn-ea"/>
                         <a:cs typeface="+mn-cs"/>
                       </a:endParaRPr>
@@ -11007,7 +11017,7 @@
                         <a:defRPr/>
                       </a:pPr>
                       <a:r>
-                        <a:rPr kumimoji="0" lang="es-VE" sz="1000" b="1" i="0" u="none" strike="noStrike" kern="1200" cap="none" spc="0" normalizeH="0" baseline="0" noProof="0" dirty="0">
+                        <a:rPr kumimoji="0" lang="es-VE" sz="1200" b="1" i="0" u="none" strike="noStrike" kern="1200" cap="none" spc="0" normalizeH="0" baseline="0" noProof="0" dirty="0">
                           <a:ln>
                             <a:noFill/>
                           </a:ln>
@@ -11017,26 +11027,12 @@
                           <a:effectLst/>
                           <a:uLnTx/>
                           <a:uFillTx/>
-                          <a:latin typeface="+mn-lt"/>
+                          <a:latin typeface="+mj-lt"/>
                           <a:ea typeface="+mn-ea"/>
                           <a:cs typeface="+mn-cs"/>
                         </a:rPr>
                         <a:t>-Responder preguntas.</a:t>
                       </a:r>
-                      <a:endParaRPr kumimoji="0" lang="es-CO" sz="1000" b="1" i="0" u="none" strike="noStrike" kern="1200" cap="none" spc="0" normalizeH="0" baseline="0" noProof="0" dirty="0">
-                        <a:ln>
-                          <a:noFill/>
-                        </a:ln>
-                        <a:solidFill>
-                          <a:prstClr val="black"/>
-                        </a:solidFill>
-                        <a:effectLst/>
-                        <a:uLnTx/>
-                        <a:uFillTx/>
-                        <a:latin typeface="+mn-lt"/>
-                        <a:ea typeface="+mn-ea"/>
-                        <a:cs typeface="+mn-cs"/>
-                      </a:endParaRPr>
                     </a:p>
                     <a:p>
                       <a:pPr marL="0" marR="0" lvl="0" indent="0" algn="l" defTabSz="457200" rtl="0" eaLnBrk="1" fontAlgn="auto" latinLnBrk="0" hangingPunct="1">
@@ -11057,7 +11053,7 @@
                         <a:defRPr/>
                       </a:pPr>
                       <a:r>
-                        <a:rPr kumimoji="0" lang="es-VE" sz="1000" b="1" i="0" u="none" strike="noStrike" kern="1200" cap="none" spc="0" normalizeH="0" baseline="0" noProof="0" dirty="0">
+                        <a:rPr kumimoji="0" lang="es-VE" sz="1200" b="1" i="0" u="none" strike="noStrike" kern="1200" cap="none" spc="0" normalizeH="0" baseline="0" noProof="0" dirty="0">
                           <a:ln>
                             <a:noFill/>
                           </a:ln>
@@ -11067,13 +11063,13 @@
                           <a:effectLst/>
                           <a:uLnTx/>
                           <a:uFillTx/>
-                          <a:latin typeface="+mn-lt"/>
+                          <a:latin typeface="+mj-lt"/>
                           <a:ea typeface="+mn-ea"/>
                           <a:cs typeface="+mn-cs"/>
                         </a:rPr>
                         <a:t>-Salir del foro.</a:t>
                       </a:r>
-                      <a:endParaRPr kumimoji="0" lang="es-CO" sz="1000" b="1" i="0" u="none" strike="noStrike" kern="1200" cap="none" spc="0" normalizeH="0" baseline="0" noProof="0" dirty="0">
+                      <a:endParaRPr kumimoji="0" lang="es-CO" sz="1200" b="1" i="0" u="none" strike="noStrike" kern="1200" cap="none" spc="0" normalizeH="0" baseline="0" noProof="0" dirty="0">
                         <a:ln>
                           <a:noFill/>
                         </a:ln>
@@ -11083,7 +11079,7 @@
                         <a:effectLst/>
                         <a:uLnTx/>
                         <a:uFillTx/>
-                        <a:latin typeface="Arial" panose="020B0604020202020204" pitchFamily="34" charset="0"/>
+                        <a:latin typeface="+mj-lt"/>
                         <a:ea typeface="Calibri" panose="020F0502020204030204" pitchFamily="34" charset="0"/>
                         <a:cs typeface="Times New Roman" panose="02020603050405020304" pitchFamily="18" charset="0"/>
                       </a:endParaRPr>
@@ -11097,12 +11093,12 @@
                           <a:spcPts val="1000"/>
                         </a:spcAft>
                       </a:pPr>
-                      <a:endParaRPr lang="es-CO" sz="1000" dirty="0">
-                        <a:solidFill>
-                          <a:schemeClr val="tx1"/>
-                        </a:solidFill>
-                        <a:effectLst/>
-                        <a:latin typeface="Arial" panose="020B0604020202020204" pitchFamily="34" charset="0"/>
+                      <a:endParaRPr lang="es-CO" sz="1200" dirty="0">
+                        <a:solidFill>
+                          <a:schemeClr val="tx1"/>
+                        </a:solidFill>
+                        <a:effectLst/>
+                        <a:latin typeface="+mj-lt"/>
                         <a:ea typeface="Calibri" panose="020F0502020204030204" pitchFamily="34" charset="0"/>
                         <a:cs typeface="Times New Roman" panose="02020603050405020304" pitchFamily="18" charset="0"/>
                       </a:endParaRPr>
@@ -11149,7 +11145,7 @@
         </p:nvSpPr>
         <p:spPr>
           <a:xfrm>
-            <a:off x="5969001" y="1541145"/>
+            <a:off x="5968999" y="1349233"/>
             <a:ext cx="1828799" cy="383823"/>
           </a:xfrm>
           <a:prstGeom prst="rect">
@@ -13922,7 +13918,7 @@
                         </a:spcAft>
                       </a:pPr>
                       <a:r>
-                        <a:rPr lang="es-VE" sz="1200">
+                        <a:rPr lang="es-VE" sz="1200" dirty="0">
                           <a:solidFill>
                             <a:schemeClr val="tx1"/>
                           </a:solidFill>
@@ -13930,7 +13926,7 @@
                         </a:rPr>
                         <a:t>El sistema debe permitir el acceso solamente a usuarios autorizados.</a:t>
                       </a:r>
-                      <a:endParaRPr lang="es-CO" sz="1200">
+                      <a:endParaRPr lang="es-CO" sz="1200" dirty="0">
                         <a:solidFill>
                           <a:schemeClr val="tx1"/>
                         </a:solidFill>
@@ -14241,14 +14237,14 @@
           <p:nvPr>
             <p:extLst>
               <p:ext uri="{D42A27DB-BD31-4B8C-83A1-F6EECF244321}">
-                <p14:modId xmlns:p14="http://schemas.microsoft.com/office/powerpoint/2010/main" val="2275247464"/>
+                <p14:modId xmlns:p14="http://schemas.microsoft.com/office/powerpoint/2010/main" val="1178276601"/>
               </p:ext>
             </p:extLst>
           </p:nvPr>
         </p:nvGraphicFramePr>
         <p:xfrm>
           <a:off x="4572000" y="1384460"/>
-          <a:ext cx="4303182" cy="2672147"/>
+          <a:ext cx="4303182" cy="3220977"/>
         </p:xfrm>
         <a:graphic>
           <a:graphicData uri="http://schemas.openxmlformats.org/drawingml/2006/table">
@@ -14328,15 +14324,15 @@
                         </a:spcAft>
                       </a:pPr>
                       <a:r>
-                        <a:rPr lang="es-CO" sz="1400">
-                          <a:solidFill>
-                            <a:schemeClr val="tx1"/>
-                          </a:solidFill>
-                          <a:effectLst/>
-                        </a:rPr>
-                        <a:t>Registro de clientes</a:t>
-                      </a:r>
-                      <a:endParaRPr lang="es-CO" sz="1200">
+                        <a:rPr lang="es-CO" sz="1400" dirty="0">
+                          <a:solidFill>
+                            <a:schemeClr val="tx1"/>
+                          </a:solidFill>
+                          <a:effectLst/>
+                        </a:rPr>
+                        <a:t>Registro de usuarios</a:t>
+                      </a:r>
+                      <a:endParaRPr lang="es-CO" sz="1200" dirty="0">
                         <a:solidFill>
                           <a:schemeClr val="tx1"/>
                         </a:solidFill>
@@ -14508,7 +14504,7 @@
                         <a:buChar char=""/>
                       </a:pPr>
                       <a:r>
-                        <a:rPr lang="es-CO" sz="1200">
+                        <a:rPr lang="es-CO" sz="1200" dirty="0">
                           <a:solidFill>
                             <a:schemeClr val="tx1"/>
                           </a:solidFill>
@@ -14516,15 +14512,34 @@
                         </a:rPr>
                         <a:t>El cliente debe contar con una suscripción activa.</a:t>
                       </a:r>
-                      <a:endParaRPr lang="es-CO" sz="1200">
-                        <a:solidFill>
-                          <a:schemeClr val="tx1"/>
-                        </a:solidFill>
-                        <a:effectLst/>
-                        <a:latin typeface="Arial" panose="020B0604020202020204" pitchFamily="34" charset="0"/>
-                        <a:ea typeface="Calibri" panose="020F0502020204030204" pitchFamily="34" charset="0"/>
-                        <a:cs typeface="Times New Roman" panose="02020603050405020304" pitchFamily="18" charset="0"/>
-                      </a:endParaRPr>
+                    </a:p>
+                    <a:p>
+                      <a:pPr marL="342900" marR="0" lvl="0" indent="-342900" algn="l" defTabSz="457200" rtl="0" eaLnBrk="1" fontAlgn="auto" latinLnBrk="0" hangingPunct="1">
+                        <a:lnSpc>
+                          <a:spcPct val="115000"/>
+                        </a:lnSpc>
+                        <a:spcBef>
+                          <a:spcPts val="0"/>
+                        </a:spcBef>
+                        <a:spcAft>
+                          <a:spcPts val="1000"/>
+                        </a:spcAft>
+                        <a:buClrTx/>
+                        <a:buSzTx/>
+                        <a:buFont typeface="Symbol" panose="05050102010706020507" pitchFamily="18" charset="2"/>
+                        <a:buChar char=""/>
+                        <a:tabLst/>
+                        <a:defRPr/>
+                      </a:pPr>
+                      <a:r>
+                        <a:rPr lang="es-CO" sz="1200" dirty="0">
+                          <a:solidFill>
+                            <a:schemeClr val="tx1"/>
+                          </a:solidFill>
+                          <a:effectLst/>
+                        </a:rPr>
+                        <a:t>El entrenador debe contar con un contrato.</a:t>
+                      </a:r>
                     </a:p>
                   </a:txBody>
                   <a:tcPr marL="44450" marR="44450" marT="0" marB="0" anchor="ctr">
@@ -14556,7 +14571,7 @@
                         </a:spcAft>
                       </a:pPr>
                       <a:r>
-                        <a:rPr lang="es-CO" sz="1100">
+                        <a:rPr lang="es-CO" sz="1100" dirty="0">
                           <a:solidFill>
                             <a:schemeClr val="tx1"/>
                           </a:solidFill>
@@ -14564,7 +14579,7 @@
                         </a:rPr>
                         <a:t>DESCRIPCION</a:t>
                       </a:r>
-                      <a:endParaRPr lang="es-CO" sz="1200">
+                      <a:endParaRPr lang="es-CO" sz="1200" dirty="0">
                         <a:solidFill>
                           <a:schemeClr val="tx1"/>
                         </a:solidFill>
@@ -14603,7 +14618,7 @@
                           </a:solidFill>
                           <a:effectLst/>
                         </a:rPr>
-                        <a:t>El sistema registra nuevos clientes, con los siguientes datos: Documento de identificación, nombre de cliente, apellidos de cliente, tiempo de suscripción, número de contacto, correo electrónico.</a:t>
+                        <a:t>El administrador registra nuevos usuarios, con los siguientes datos: Documento de identificación, nombres, apellidos, tiempo de suscripción o contrato, número de contacto, correo electrónico.</a:t>
                       </a:r>
                       <a:endParaRPr lang="es-CO" sz="1200" dirty="0">
                         <a:solidFill>
@@ -14870,7 +14885,7 @@
                           </a:solidFill>
                           <a:effectLst/>
                         </a:rPr>
-                        <a:t>El usuario tiene un acceso en el entorno web del gimnasio.</a:t>
+                        <a:t>El usuario tiene acceso al entorno web del gimnasio.</a:t>
                       </a:r>
                       <a:endParaRPr lang="es-CO" sz="1200" dirty="0">
                         <a:solidFill>
@@ -15004,7 +15019,7 @@
           <p:nvPr>
             <p:extLst>
               <p:ext uri="{D42A27DB-BD31-4B8C-83A1-F6EECF244321}">
-                <p14:modId xmlns:p14="http://schemas.microsoft.com/office/powerpoint/2010/main" val="3438382861"/>
+                <p14:modId xmlns:p14="http://schemas.microsoft.com/office/powerpoint/2010/main" val="3611147707"/>
               </p:ext>
             </p:extLst>
           </p:nvPr>
@@ -15271,7 +15286,7 @@
                         <a:buChar char=""/>
                       </a:pPr>
                       <a:r>
-                        <a:rPr lang="es-CO" sz="1200">
+                        <a:rPr lang="es-CO" sz="1200" dirty="0">
                           <a:solidFill>
                             <a:schemeClr val="tx1"/>
                           </a:solidFill>
@@ -15292,15 +15307,15 @@
                         <a:buChar char=""/>
                       </a:pPr>
                       <a:r>
-                        <a:rPr lang="es-CO" sz="1200">
-                          <a:solidFill>
-                            <a:schemeClr val="tx1"/>
-                          </a:solidFill>
-                          <a:effectLst/>
-                        </a:rPr>
-                        <a:t>Tener una base de datos de cada cliente.</a:t>
-                      </a:r>
-                      <a:endParaRPr lang="es-CO" sz="1200">
+                        <a:rPr lang="es-CO" sz="1200" dirty="0">
+                          <a:solidFill>
+                            <a:schemeClr val="tx1"/>
+                          </a:solidFill>
+                          <a:effectLst/>
+                        </a:rPr>
+                        <a:t>Tener una base de datos de cada usuario.</a:t>
+                      </a:r>
+                      <a:endParaRPr lang="es-CO" sz="1200" dirty="0">
                         <a:solidFill>
                           <a:schemeClr val="tx1"/>
                         </a:solidFill>
@@ -15387,7 +15402,7 @@
                           </a:solidFill>
                           <a:effectLst/>
                         </a:rPr>
-                        <a:t>El software permite que el rol de administrador pueda realizar la búsqueda de cada cliente según el número de identificación. De igual manera puede agregar, editar, eliminar, ocultar, crear y guardar cambios en la base de datos. </a:t>
+                        <a:t>El software permite que el rol de administrador pueda realizar la búsqueda de cada usuario según el número de identificación. De igual manera puede agregar, modificar, ocultar y guardar cambios en la base de datos. </a:t>
                       </a:r>
                       <a:endParaRPr lang="es-CO" sz="1200" dirty="0">
                         <a:solidFill>
@@ -15700,14 +15715,14 @@
           <p:nvPr>
             <p:extLst>
               <p:ext uri="{D42A27DB-BD31-4B8C-83A1-F6EECF244321}">
-                <p14:modId xmlns:p14="http://schemas.microsoft.com/office/powerpoint/2010/main" val="405344562"/>
+                <p14:modId xmlns:p14="http://schemas.microsoft.com/office/powerpoint/2010/main" val="2848641251"/>
               </p:ext>
             </p:extLst>
           </p:nvPr>
         </p:nvGraphicFramePr>
         <p:xfrm>
-          <a:off x="4572000" y="1286696"/>
-          <a:ext cx="4433252" cy="3560327"/>
+          <a:off x="4572000" y="1286697"/>
+          <a:ext cx="4433252" cy="3610368"/>
         </p:xfrm>
         <a:graphic>
           <a:graphicData uri="http://schemas.openxmlformats.org/drawingml/2006/table">
@@ -15731,7 +15746,7 @@
                   </a:extLst>
                 </a:gridCol>
               </a:tblGrid>
-              <a:tr h="420244">
+              <a:tr h="392291">
                 <a:tc>
                   <a:txBody>
                     <a:bodyPr/>
@@ -15820,7 +15835,7 @@
                   </a:ext>
                 </a:extLst>
               </a:tr>
-              <a:tr h="352462">
+              <a:tr h="329016">
                 <a:tc>
                   <a:txBody>
                     <a:bodyPr/>
@@ -15909,7 +15924,7 @@
                   </a:ext>
                 </a:extLst>
               </a:tr>
-              <a:tr h="760145">
+              <a:tr h="709582">
                 <a:tc>
                   <a:txBody>
                     <a:bodyPr/>
@@ -16021,7 +16036,7 @@
                   </a:ext>
                 </a:extLst>
               </a:tr>
-              <a:tr h="878717">
+              <a:tr h="820266">
                 <a:tc>
                   <a:txBody>
                     <a:bodyPr/>
@@ -16110,7 +16125,7 @@
                   </a:ext>
                 </a:extLst>
               </a:tr>
-              <a:tr h="284682">
+              <a:tr h="265745">
                 <a:tc>
                   <a:txBody>
                     <a:bodyPr/>
@@ -16199,7 +16214,7 @@
                   </a:ext>
                 </a:extLst>
               </a:tr>
-              <a:tr h="284682">
+              <a:tr h="265745">
                 <a:tc>
                   <a:txBody>
                     <a:bodyPr/>
@@ -16288,7 +16303,7 @@
                   </a:ext>
                 </a:extLst>
               </a:tr>
-              <a:tr h="579395">
+              <a:tr h="812411">
                 <a:tc>
                   <a:txBody>
                     <a:bodyPr/>
@@ -16350,7 +16365,24 @@
                           </a:solidFill>
                           <a:effectLst/>
                         </a:rPr>
-                        <a:t>El usuario puede formular preguntas y tendrá comunicación con el personal del gimnasio.</a:t>
+                        <a:t>El cliente puede formular preguntas y tendrá comunicación con el personal del gimnasio. </a:t>
+                      </a:r>
+                      <a:br>
+                        <a:rPr lang="es-CO" sz="1200" dirty="0">
+                          <a:solidFill>
+                            <a:schemeClr val="tx1"/>
+                          </a:solidFill>
+                          <a:effectLst/>
+                        </a:rPr>
+                      </a:br>
+                      <a:r>
+                        <a:rPr lang="es-CO" sz="1200" dirty="0">
+                          <a:solidFill>
+                            <a:schemeClr val="tx1"/>
+                          </a:solidFill>
+                          <a:effectLst/>
+                        </a:rPr>
+                        <a:t>El entrenador puede publicar novedades para los clientes.</a:t>
                       </a:r>
                       <a:endParaRPr lang="es-CO" sz="1200" dirty="0">
                         <a:solidFill>
@@ -17141,14 +17173,14 @@
           <p:nvPr>
             <p:extLst>
               <p:ext uri="{D42A27DB-BD31-4B8C-83A1-F6EECF244321}">
-                <p14:modId xmlns:p14="http://schemas.microsoft.com/office/powerpoint/2010/main" val="1057682768"/>
+                <p14:modId xmlns:p14="http://schemas.microsoft.com/office/powerpoint/2010/main" val="2478809942"/>
               </p:ext>
             </p:extLst>
           </p:nvPr>
         </p:nvGraphicFramePr>
         <p:xfrm>
-          <a:off x="4572001" y="1631706"/>
-          <a:ext cx="4362450" cy="2708783"/>
+          <a:off x="4572000" y="1631706"/>
+          <a:ext cx="4362450" cy="2550780"/>
         </p:xfrm>
         <a:graphic>
           <a:graphicData uri="http://schemas.openxmlformats.org/drawingml/2006/table">
@@ -17503,7 +17535,7 @@
                           </a:solidFill>
                           <a:effectLst/>
                         </a:rPr>
-                        <a:t>Será manejado a través de un computador o dispositivo con acceso a internet y características de PC mínimas; procesador Core i3 en adelante, memoria RAM de 2GB en adelante, disco duro de 500 GB.</a:t>
+                        <a:t>Será manejado a través de una computadora con características mínimas; procesador Intel Pentium, memoria RAM de 4GB, disco duro de 500 GB y S.O Windows 10.</a:t>
                       </a:r>
                       <a:endParaRPr lang="es-CO" sz="1200" dirty="0">
                         <a:solidFill>

--- a/Descripcion FSS/ExpoOficialFSS.pptx
+++ b/Descripcion FSS/ExpoOficialFSS.pptx
@@ -236,7 +236,7 @@
           <a:p>
             <a:fld id="{C6FE2393-9196-4659-839C-24718EAB9A24}" type="datetimeFigureOut">
               <a:rPr lang="es-CO" smtClean="0"/>
-              <a:t>6/03/2021</a:t>
+              <a:t>13/03/2021</a:t>
             </a:fld>
             <a:endParaRPr lang="es-CO"/>
           </a:p>
@@ -1453,7 +1453,7 @@
           <a:p>
             <a:fld id="{B3030C24-9424-B24A-8613-79990C3AA492}" type="datetimeFigureOut">
               <a:rPr lang="es-ES" smtClean="0"/>
-              <a:t>06/03/2021</a:t>
+              <a:t>13/03/2021</a:t>
             </a:fld>
             <a:endParaRPr lang="es-ES"/>
           </a:p>
@@ -1633,7 +1633,7 @@
           <a:p>
             <a:fld id="{B3030C24-9424-B24A-8613-79990C3AA492}" type="datetimeFigureOut">
               <a:rPr lang="es-ES" smtClean="0"/>
-              <a:t>06/03/2021</a:t>
+              <a:t>13/03/2021</a:t>
             </a:fld>
             <a:endParaRPr lang="es-ES"/>
           </a:p>
@@ -2327,7 +2327,7 @@
           <a:p>
             <a:fld id="{B3030C24-9424-B24A-8613-79990C3AA492}" type="datetimeFigureOut">
               <a:rPr lang="es-ES" smtClean="0"/>
-              <a:t>06/03/2021</a:t>
+              <a:t>13/03/2021</a:t>
             </a:fld>
             <a:endParaRPr lang="es-ES"/>
           </a:p>
@@ -2580,7 +2580,7 @@
           <a:p>
             <a:fld id="{B3030C24-9424-B24A-8613-79990C3AA492}" type="datetimeFigureOut">
               <a:rPr lang="es-ES" smtClean="0"/>
-              <a:t>06/03/2021</a:t>
+              <a:t>13/03/2021</a:t>
             </a:fld>
             <a:endParaRPr lang="es-ES"/>
           </a:p>
@@ -2793,7 +2793,7 @@
           <a:p>
             <a:fld id="{B3030C24-9424-B24A-8613-79990C3AA492}" type="datetimeFigureOut">
               <a:rPr lang="es-ES" smtClean="0"/>
-              <a:t>06/03/2021</a:t>
+              <a:t>13/03/2021</a:t>
             </a:fld>
             <a:endParaRPr lang="es-ES"/>
           </a:p>
@@ -11637,7 +11637,7 @@
                 <a:cs typeface="Calibri"/>
                 <a:sym typeface="Calibri"/>
               </a:rPr>
-              <a:t>, instructores, pagos y rutinas, </a:t>
+              <a:t>, instructores, pagos y establecer una comunicación entre el personal y los clientes</a:t>
             </a:r>
             <a:r>
               <a:rPr lang="es-ES" sz="1800" dirty="0">
@@ -11649,7 +11649,7 @@
                 <a:cs typeface="Calibri"/>
                 <a:sym typeface="Calibri"/>
               </a:rPr>
-              <a:t>comunicación para el personal del gimnasio. Finalmente satisfacer las necesidades del cliente.</a:t>
+              <a:t>. Finalmente satisfacer las necesidades del cliente.</a:t>
             </a:r>
             <a:endParaRPr dirty="0"/>
           </a:p>
@@ -12949,7 +12949,7 @@
         <p:spPr>
           <a:xfrm>
             <a:off x="591671" y="1592918"/>
-            <a:ext cx="5508779" cy="3139281"/>
+            <a:ext cx="5508779" cy="2862282"/>
           </a:xfrm>
           <a:prstGeom prst="rect">
             <a:avLst/>
@@ -12989,22 +12989,8 @@
                 <a:cs typeface="Calibri"/>
                 <a:sym typeface="Calibri"/>
               </a:rPr>
-              <a:t>Analizar cada uno de los requerimientos para el desarrollo del software web y verificar el prototipo  mediante una prueba piloto para  satisfacer las necesidades del cliente.</a:t>
+              <a:t>Analizar cada uno de los requerimientos para el desarrollo del software web</a:t>
             </a:r>
-          </a:p>
-          <a:p>
-            <a:pPr marR="0" lvl="0" algn="just" rtl="0">
-              <a:spcBef>
-                <a:spcPts val="0"/>
-              </a:spcBef>
-              <a:spcAft>
-                <a:spcPts val="0"/>
-              </a:spcAft>
-              <a:buClr>
-                <a:schemeClr val="dk1"/>
-              </a:buClr>
-              <a:buSzPts val="1800"/>
-            </a:pPr>
             <a:endParaRPr dirty="0"/>
           </a:p>
           <a:p>
@@ -13026,8 +13012,98 @@
                 <a:cs typeface="Calibri"/>
                 <a:sym typeface="Calibri"/>
               </a:rPr>
-              <a:t>Diseñar un modelo de base de datos, con el fin de terminar los procesos manuales que ejercen actualmente y que puedan producir datos no verídicos.</a:t>
+              <a:t>Diseñar una base de datos por medio de </a:t>
             </a:r>
+            <a:r>
+              <a:rPr lang="es-ES" dirty="0">
+                <a:solidFill>
+                  <a:schemeClr val="dk1"/>
+                </a:solidFill>
+                <a:latin typeface="Calibri"/>
+                <a:ea typeface="Calibri"/>
+                <a:cs typeface="Calibri"/>
+                <a:sym typeface="Calibri"/>
+              </a:rPr>
+              <a:t>M</a:t>
+            </a:r>
+            <a:r>
+              <a:rPr lang="es-ES" sz="1800" dirty="0">
+                <a:solidFill>
+                  <a:schemeClr val="dk1"/>
+                </a:solidFill>
+                <a:latin typeface="Calibri"/>
+                <a:ea typeface="Calibri"/>
+                <a:cs typeface="Calibri"/>
+                <a:sym typeface="Calibri"/>
+              </a:rPr>
+              <a:t>ySQL. </a:t>
+            </a:r>
+          </a:p>
+          <a:p>
+            <a:pPr marL="285750" lvl="0" indent="-285750" algn="just">
+              <a:buClr>
+                <a:schemeClr val="dk1"/>
+              </a:buClr>
+              <a:buSzPts val="1800"/>
+              <a:buFont typeface="Noto Sans Symbols"/>
+              <a:buChar char="❑"/>
+            </a:pPr>
+            <a:r>
+              <a:rPr lang="es-ES" sz="1800" dirty="0">
+                <a:solidFill>
+                  <a:schemeClr val="dk1"/>
+                </a:solidFill>
+                <a:latin typeface="Calibri"/>
+                <a:ea typeface="Calibri"/>
+                <a:cs typeface="Calibri"/>
+                <a:sym typeface="Calibri"/>
+              </a:rPr>
+              <a:t>Diseñar un foro de comunicación entre clientes y entrenadores.</a:t>
+            </a:r>
+          </a:p>
+          <a:p>
+            <a:pPr marL="285750" indent="-285750" algn="just">
+              <a:buClr>
+                <a:schemeClr val="dk1"/>
+              </a:buClr>
+              <a:buSzPts val="1800"/>
+              <a:buFont typeface="Noto Sans Symbols"/>
+              <a:buChar char="❑"/>
+            </a:pPr>
+            <a:r>
+              <a:rPr lang="es-ES" dirty="0">
+                <a:solidFill>
+                  <a:schemeClr val="dk1"/>
+                </a:solidFill>
+                <a:latin typeface="Calibri"/>
+                <a:ea typeface="Calibri"/>
+                <a:cs typeface="Calibri"/>
+                <a:sym typeface="Calibri"/>
+              </a:rPr>
+              <a:t>V</a:t>
+            </a:r>
+            <a:r>
+              <a:rPr lang="es-ES" sz="1800" dirty="0">
+                <a:solidFill>
+                  <a:schemeClr val="dk1"/>
+                </a:solidFill>
+                <a:latin typeface="Calibri"/>
+                <a:ea typeface="Calibri"/>
+                <a:cs typeface="Calibri"/>
+                <a:sym typeface="Calibri"/>
+              </a:rPr>
+              <a:t>erificar el prototipo web mediante una prueba piloto.</a:t>
+            </a:r>
+          </a:p>
+          <a:p>
+            <a:pPr marL="285750" lvl="0" indent="-285750" algn="just">
+              <a:buClr>
+                <a:schemeClr val="dk1"/>
+              </a:buClr>
+              <a:buSzPts val="1800"/>
+              <a:buFont typeface="Noto Sans Symbols"/>
+              <a:buChar char="❑"/>
+            </a:pPr>
             <a:endParaRPr lang="es-ES" sz="1800" dirty="0">
               <a:solidFill>
                 <a:schemeClr val="dk1"/>

--- a/Descripcion FSS/ExpoOficialFSS.pptx
+++ b/Descripcion FSS/ExpoOficialFSS.pptx
@@ -236,7 +236,7 @@
           <a:p>
             <a:fld id="{C6FE2393-9196-4659-839C-24718EAB9A24}" type="datetimeFigureOut">
               <a:rPr lang="es-CO" smtClean="0"/>
-              <a:t>13/03/2021</a:t>
+              <a:t>21/06/2021</a:t>
             </a:fld>
             <a:endParaRPr lang="es-CO"/>
           </a:p>
@@ -1453,7 +1453,7 @@
           <a:p>
             <a:fld id="{B3030C24-9424-B24A-8613-79990C3AA492}" type="datetimeFigureOut">
               <a:rPr lang="es-ES" smtClean="0"/>
-              <a:t>13/03/2021</a:t>
+              <a:t>21/06/2021</a:t>
             </a:fld>
             <a:endParaRPr lang="es-ES"/>
           </a:p>
@@ -1633,7 +1633,7 @@
           <a:p>
             <a:fld id="{B3030C24-9424-B24A-8613-79990C3AA492}" type="datetimeFigureOut">
               <a:rPr lang="es-ES" smtClean="0"/>
-              <a:t>13/03/2021</a:t>
+              <a:t>21/06/2021</a:t>
             </a:fld>
             <a:endParaRPr lang="es-ES"/>
           </a:p>
@@ -2327,7 +2327,7 @@
           <a:p>
             <a:fld id="{B3030C24-9424-B24A-8613-79990C3AA492}" type="datetimeFigureOut">
               <a:rPr lang="es-ES" smtClean="0"/>
-              <a:t>13/03/2021</a:t>
+              <a:t>21/06/2021</a:t>
             </a:fld>
             <a:endParaRPr lang="es-ES"/>
           </a:p>
@@ -2580,7 +2580,7 @@
           <a:p>
             <a:fld id="{B3030C24-9424-B24A-8613-79990C3AA492}" type="datetimeFigureOut">
               <a:rPr lang="es-ES" smtClean="0"/>
-              <a:t>13/03/2021</a:t>
+              <a:t>21/06/2021</a:t>
             </a:fld>
             <a:endParaRPr lang="es-ES"/>
           </a:p>
@@ -2793,7 +2793,7 @@
           <a:p>
             <a:fld id="{B3030C24-9424-B24A-8613-79990C3AA492}" type="datetimeFigureOut">
               <a:rPr lang="es-ES" smtClean="0"/>
-              <a:t>13/03/2021</a:t>
+              <a:t>21/06/2021</a:t>
             </a:fld>
             <a:endParaRPr lang="es-ES"/>
           </a:p>
@@ -11585,7 +11585,7 @@
         <p:spPr>
           <a:xfrm>
             <a:off x="591671" y="1326777"/>
-            <a:ext cx="7351059" cy="1477287"/>
+            <a:ext cx="7351059" cy="1200288"/>
           </a:xfrm>
           <a:prstGeom prst="rect">
             <a:avLst/>
@@ -11616,7 +11616,7 @@
               <a:buChar char="✔"/>
             </a:pPr>
             <a:r>
-              <a:rPr lang="es-ES" sz="1800" dirty="0">
+              <a:rPr lang="es-MX" sz="1800" dirty="0">
                 <a:solidFill>
                   <a:schemeClr val="dk1"/>
                 </a:solidFill>
@@ -11625,44 +11625,8 @@
                 <a:cs typeface="Calibri"/>
                 <a:sym typeface="Calibri"/>
               </a:rPr>
-              <a:t>Desarrollar un software web, encaminado al adecuado control y manejo  de datos sobre clientes</a:t>
+              <a:t>Desarrollar un sistema información web, encaminado al adecuado control y manejo de datos sobre clientes, entrenadores, y pagos en un gimnasio. También establece una comunicación entre el personal y los clientes mediante la implementación de un foro. </a:t>
             </a:r>
-            <a:r>
-              <a:rPr lang="es-ES" dirty="0">
-                <a:solidFill>
-                  <a:schemeClr val="dk1"/>
-                </a:solidFill>
-                <a:latin typeface="Calibri"/>
-                <a:ea typeface="Calibri"/>
-                <a:cs typeface="Calibri"/>
-                <a:sym typeface="Calibri"/>
-              </a:rPr>
-              <a:t>, instructores, pagos y establecer una comunicación entre el personal y los clientes</a:t>
-            </a:r>
-            <a:r>
-              <a:rPr lang="es-ES" sz="1800" dirty="0">
-                <a:solidFill>
-                  <a:schemeClr val="dk1"/>
-                </a:solidFill>
-                <a:latin typeface="Calibri"/>
-                <a:ea typeface="Calibri"/>
-                <a:cs typeface="Calibri"/>
-                <a:sym typeface="Calibri"/>
-              </a:rPr>
-              <a:t>. Finalmente satisfacer las necesidades del cliente.</a:t>
-            </a:r>
-            <a:endParaRPr dirty="0"/>
-          </a:p>
-          <a:p>
-            <a:pPr marL="0" marR="0" lvl="0" indent="0" algn="just" rtl="0">
-              <a:spcBef>
-                <a:spcPts val="0"/>
-              </a:spcBef>
-              <a:spcAft>
-                <a:spcPts val="0"/>
-              </a:spcAft>
-              <a:buNone/>
-            </a:pPr>
             <a:endParaRPr sz="1800" dirty="0">
               <a:solidFill>
                 <a:schemeClr val="dk1"/>
@@ -12173,10 +12137,10 @@
       </p:sp>
       <p:pic>
         <p:nvPicPr>
-          <p:cNvPr id="4" name="Imagen 3">
+          <p:cNvPr id="5" name="Imagen 4">
             <a:extLst>
               <a:ext uri="{FF2B5EF4-FFF2-40B4-BE49-F238E27FC236}">
-                <a16:creationId xmlns:a16="http://schemas.microsoft.com/office/drawing/2014/main" id="{5F933069-C777-4F51-9C48-0DE21E645AA2}"/>
+                <a16:creationId xmlns:a16="http://schemas.microsoft.com/office/drawing/2014/main" id="{82AFDD50-2A09-48A9-94D8-5E18E35B8D80}"/>
               </a:ext>
             </a:extLst>
           </p:cNvPr>
@@ -12193,8 +12157,8 @@
         </p:blipFill>
         <p:spPr>
           <a:xfrm>
-            <a:off x="1506244" y="1285875"/>
-            <a:ext cx="5704878" cy="3634489"/>
+            <a:off x="1408641" y="1202267"/>
+            <a:ext cx="6326717" cy="3796030"/>
           </a:xfrm>
           <a:prstGeom prst="rect">
             <a:avLst/>
@@ -12267,10 +12231,10 @@
       </p:sp>
       <p:pic>
         <p:nvPicPr>
-          <p:cNvPr id="5" name="Imagen 4">
+          <p:cNvPr id="4" name="Imagen 3">
             <a:extLst>
               <a:ext uri="{FF2B5EF4-FFF2-40B4-BE49-F238E27FC236}">
-                <a16:creationId xmlns:a16="http://schemas.microsoft.com/office/drawing/2014/main" id="{515CE0DE-C08E-4A52-8F6B-043DF7953C59}"/>
+                <a16:creationId xmlns:a16="http://schemas.microsoft.com/office/drawing/2014/main" id="{2EAB3D5D-5FCE-4110-8701-6E19E73B7E94}"/>
               </a:ext>
             </a:extLst>
           </p:cNvPr>
@@ -12287,8 +12251,8 @@
         </p:blipFill>
         <p:spPr>
           <a:xfrm>
-            <a:off x="1589739" y="1296089"/>
-            <a:ext cx="5964521" cy="3624275"/>
+            <a:off x="1738841" y="1346200"/>
+            <a:ext cx="5666317" cy="3399790"/>
           </a:xfrm>
           <a:prstGeom prst="rect">
             <a:avLst/>
@@ -12361,10 +12325,10 @@
       </p:sp>
       <p:pic>
         <p:nvPicPr>
-          <p:cNvPr id="4" name="Imagen 3">
+          <p:cNvPr id="5" name="Imagen 4">
             <a:extLst>
               <a:ext uri="{FF2B5EF4-FFF2-40B4-BE49-F238E27FC236}">
-                <a16:creationId xmlns:a16="http://schemas.microsoft.com/office/drawing/2014/main" id="{A5F9E7D4-CEA0-4F66-86B1-B1D88658154F}"/>
+                <a16:creationId xmlns:a16="http://schemas.microsoft.com/office/drawing/2014/main" id="{8D24C772-1971-40BE-B581-320E6E995CBF}"/>
               </a:ext>
             </a:extLst>
           </p:cNvPr>
@@ -12381,8 +12345,8 @@
         </p:blipFill>
         <p:spPr>
           <a:xfrm>
-            <a:off x="1635724" y="1204331"/>
-            <a:ext cx="5872551" cy="3642732"/>
+            <a:off x="1380066" y="1388533"/>
+            <a:ext cx="5839758" cy="3418753"/>
           </a:xfrm>
           <a:prstGeom prst="rect">
             <a:avLst/>
@@ -12455,10 +12419,10 @@
       </p:sp>
       <p:pic>
         <p:nvPicPr>
-          <p:cNvPr id="5" name="Imagen 4">
+          <p:cNvPr id="4" name="Imagen 3">
             <a:extLst>
               <a:ext uri="{FF2B5EF4-FFF2-40B4-BE49-F238E27FC236}">
-                <a16:creationId xmlns:a16="http://schemas.microsoft.com/office/drawing/2014/main" id="{9749343C-F91D-40A1-9B43-14AB362A5E3F}"/>
+                <a16:creationId xmlns:a16="http://schemas.microsoft.com/office/drawing/2014/main" id="{BF20CBAF-769A-45B3-BA20-40883B1A50F4}"/>
               </a:ext>
             </a:extLst>
           </p:cNvPr>
@@ -12475,8 +12439,8 @@
         </p:blipFill>
         <p:spPr>
           <a:xfrm>
-            <a:off x="1525626" y="1264715"/>
-            <a:ext cx="6092748" cy="3655649"/>
+            <a:off x="1388407" y="1303867"/>
+            <a:ext cx="5818717" cy="3491230"/>
           </a:xfrm>
           <a:prstGeom prst="rect">
             <a:avLst/>
@@ -12590,10 +12554,10 @@
       </p:sp>
       <p:pic>
         <p:nvPicPr>
-          <p:cNvPr id="4" name="Imagen 3">
+          <p:cNvPr id="5" name="Imagen 4">
             <a:extLst>
               <a:ext uri="{FF2B5EF4-FFF2-40B4-BE49-F238E27FC236}">
-                <a16:creationId xmlns:a16="http://schemas.microsoft.com/office/drawing/2014/main" id="{E2186DFF-DF72-4AE9-96A7-D82DFDAA7960}"/>
+                <a16:creationId xmlns:a16="http://schemas.microsoft.com/office/drawing/2014/main" id="{0B67B89F-5270-4773-99A6-7E2BF3A08770}"/>
               </a:ext>
             </a:extLst>
           </p:cNvPr>
@@ -12610,8 +12574,8 @@
         </p:blipFill>
         <p:spPr>
           <a:xfrm>
-            <a:off x="76200" y="1100667"/>
-            <a:ext cx="5461528" cy="3927952"/>
+            <a:off x="88900" y="1244600"/>
+            <a:ext cx="5508095" cy="3581671"/>
           </a:xfrm>
           <a:prstGeom prst="rect">
             <a:avLst/>
@@ -12949,7 +12913,7 @@
         <p:spPr>
           <a:xfrm>
             <a:off x="591671" y="1592918"/>
-            <a:ext cx="5508779" cy="2862282"/>
+            <a:ext cx="5508779" cy="3693278"/>
           </a:xfrm>
           <a:prstGeom prst="rect">
             <a:avLst/>
@@ -12964,6 +12928,106 @@
             <a:spAutoFit/>
           </a:bodyPr>
           <a:lstStyle/>
+          <a:p>
+            <a:pPr marL="285750" indent="-285750" algn="just">
+              <a:buClr>
+                <a:schemeClr val="dk1"/>
+              </a:buClr>
+              <a:buSzPts val="1800"/>
+              <a:buFont typeface="Noto Sans Symbols"/>
+              <a:buChar char="❑"/>
+            </a:pPr>
+            <a:r>
+              <a:rPr lang="es-ES" sz="1800" dirty="0">
+                <a:solidFill>
+                  <a:srgbClr val="000000"/>
+                </a:solidFill>
+                <a:effectLst/>
+                <a:latin typeface="Arial" panose="020B0604020202020204" pitchFamily="34" charset="0"/>
+                <a:ea typeface="Arial" panose="020B0604020202020204" pitchFamily="34" charset="0"/>
+              </a:rPr>
+              <a:t>Tener el control de acceso de los usuarios al sistema a través de un login.</a:t>
+            </a:r>
+            <a:endParaRPr lang="es-CO" sz="1800" dirty="0">
+              <a:effectLst/>
+              <a:latin typeface="Arial" panose="020B0604020202020204" pitchFamily="34" charset="0"/>
+              <a:ea typeface="Arial" panose="020B0604020202020204" pitchFamily="34" charset="0"/>
+            </a:endParaRPr>
+          </a:p>
+          <a:p>
+            <a:pPr marR="0" lvl="0" algn="just" rtl="0">
+              <a:spcBef>
+                <a:spcPts val="0"/>
+              </a:spcBef>
+              <a:spcAft>
+                <a:spcPts val="0"/>
+              </a:spcAft>
+              <a:buClr>
+                <a:schemeClr val="dk1"/>
+              </a:buClr>
+              <a:buSzPts val="1800"/>
+            </a:pPr>
+            <a:endParaRPr lang="es-ES" sz="1800" dirty="0">
+              <a:solidFill>
+                <a:schemeClr val="dk1"/>
+              </a:solidFill>
+              <a:latin typeface="Calibri"/>
+              <a:ea typeface="Calibri"/>
+              <a:cs typeface="Calibri"/>
+              <a:sym typeface="Calibri"/>
+            </a:endParaRPr>
+          </a:p>
+          <a:p>
+            <a:pPr marL="285750" indent="-285750" algn="just">
+              <a:buClr>
+                <a:schemeClr val="dk1"/>
+              </a:buClr>
+              <a:buSzPts val="1800"/>
+              <a:buFont typeface="Noto Sans Symbols"/>
+              <a:buChar char="❑"/>
+            </a:pPr>
+            <a:r>
+              <a:rPr lang="es-ES" sz="1800" dirty="0">
+                <a:solidFill>
+                  <a:srgbClr val="000000"/>
+                </a:solidFill>
+                <a:effectLst/>
+                <a:latin typeface="Arial" panose="020B0604020202020204" pitchFamily="34" charset="0"/>
+                <a:ea typeface="Arial" panose="020B0604020202020204" pitchFamily="34" charset="0"/>
+              </a:rPr>
+              <a:t>Registrar, actualizar, editar, eliminar y consultar la información de los clientes.</a:t>
+            </a:r>
+            <a:endParaRPr lang="es-CO" sz="1800" dirty="0">
+              <a:effectLst/>
+              <a:latin typeface="Arial" panose="020B0604020202020204" pitchFamily="34" charset="0"/>
+              <a:ea typeface="Arial" panose="020B0604020202020204" pitchFamily="34" charset="0"/>
+            </a:endParaRPr>
+          </a:p>
+          <a:p>
+            <a:pPr marL="285750" marR="0" lvl="0" indent="-285750" algn="just" rtl="0">
+              <a:spcBef>
+                <a:spcPts val="0"/>
+              </a:spcBef>
+              <a:spcAft>
+                <a:spcPts val="0"/>
+              </a:spcAft>
+              <a:buClr>
+                <a:schemeClr val="dk1"/>
+              </a:buClr>
+              <a:buSzPts val="1800"/>
+              <a:buFont typeface="Noto Sans Symbols"/>
+              <a:buChar char="❑"/>
+            </a:pPr>
+            <a:endParaRPr lang="es-ES" sz="1800" dirty="0">
+              <a:solidFill>
+                <a:schemeClr val="dk1"/>
+              </a:solidFill>
+              <a:latin typeface="Calibri"/>
+              <a:ea typeface="Calibri"/>
+              <a:cs typeface="Calibri"/>
+              <a:sym typeface="Calibri"/>
+            </a:endParaRPr>
+          </a:p>
           <a:p>
             <a:pPr marL="285750" marR="0" lvl="0" indent="-285750" algn="just" rtl="0">
               <a:spcBef>
@@ -12982,19 +13046,23 @@
             <a:r>
               <a:rPr lang="es-ES" sz="1800" dirty="0">
                 <a:solidFill>
-                  <a:schemeClr val="dk1"/>
+                  <a:srgbClr val="000000"/>
                 </a:solidFill>
-                <a:latin typeface="Calibri"/>
-                <a:ea typeface="Calibri"/>
-                <a:cs typeface="Calibri"/>
-                <a:sym typeface="Calibri"/>
+                <a:effectLst/>
+                <a:latin typeface="Arial" panose="020B0604020202020204" pitchFamily="34" charset="0"/>
+                <a:ea typeface="Arial" panose="020B0604020202020204" pitchFamily="34" charset="0"/>
               </a:rPr>
-              <a:t>Analizar cada uno de los requerimientos para el desarrollo del software web</a:t>
+              <a:t>Tener un CRUD completamente funcional con las opciones de adicionar, editar y eliminar.</a:t>
             </a:r>
-            <a:endParaRPr dirty="0"/>
           </a:p>
           <a:p>
-            <a:pPr marL="285750" lvl="0" indent="-285750" algn="just">
+            <a:pPr marL="285750" marR="0" lvl="0" indent="-285750" algn="just" rtl="0">
+              <a:spcBef>
+                <a:spcPts val="0"/>
+              </a:spcBef>
+              <a:spcAft>
+                <a:spcPts val="0"/>
+              </a:spcAft>
               <a:buClr>
                 <a:schemeClr val="dk1"/>
               </a:buClr>
@@ -13002,64 +13070,14 @@
               <a:buFont typeface="Noto Sans Symbols"/>
               <a:buChar char="❑"/>
             </a:pPr>
-            <a:r>
-              <a:rPr lang="es-ES" sz="1800" dirty="0">
-                <a:solidFill>
-                  <a:schemeClr val="dk1"/>
-                </a:solidFill>
-                <a:latin typeface="Calibri"/>
-                <a:ea typeface="Calibri"/>
-                <a:cs typeface="Calibri"/>
-                <a:sym typeface="Calibri"/>
-              </a:rPr>
-              <a:t>Diseñar una base de datos por medio de </a:t>
-            </a:r>
-            <a:r>
-              <a:rPr lang="es-ES" dirty="0">
-                <a:solidFill>
-                  <a:schemeClr val="dk1"/>
-                </a:solidFill>
-                <a:latin typeface="Calibri"/>
-                <a:ea typeface="Calibri"/>
-                <a:cs typeface="Calibri"/>
-                <a:sym typeface="Calibri"/>
-              </a:rPr>
-              <a:t>M</a:t>
-            </a:r>
-            <a:r>
-              <a:rPr lang="es-ES" sz="1800" dirty="0">
-                <a:solidFill>
-                  <a:schemeClr val="dk1"/>
-                </a:solidFill>
-                <a:latin typeface="Calibri"/>
-                <a:ea typeface="Calibri"/>
-                <a:cs typeface="Calibri"/>
-                <a:sym typeface="Calibri"/>
-              </a:rPr>
-              <a:t>ySQL. </a:t>
-            </a:r>
-          </a:p>
-          <a:p>
-            <a:pPr marL="285750" lvl="0" indent="-285750" algn="just">
-              <a:buClr>
-                <a:schemeClr val="dk1"/>
-              </a:buClr>
-              <a:buSzPts val="1800"/>
-              <a:buFont typeface="Noto Sans Symbols"/>
-              <a:buChar char="❑"/>
-            </a:pPr>
-            <a:r>
-              <a:rPr lang="es-ES" sz="1800" dirty="0">
-                <a:solidFill>
-                  <a:schemeClr val="dk1"/>
-                </a:solidFill>
-                <a:latin typeface="Calibri"/>
-                <a:ea typeface="Calibri"/>
-                <a:cs typeface="Calibri"/>
-                <a:sym typeface="Calibri"/>
-              </a:rPr>
-              <a:t>Diseñar un foro de comunicación entre clientes y entrenadores.</a:t>
-            </a:r>
+            <a:endParaRPr lang="es-ES" sz="1800" dirty="0">
+              <a:solidFill>
+                <a:srgbClr val="000000"/>
+              </a:solidFill>
+              <a:effectLst/>
+              <a:latin typeface="Arial" panose="020B0604020202020204" pitchFamily="34" charset="0"/>
+              <a:ea typeface="Arial" panose="020B0604020202020204" pitchFamily="34" charset="0"/>
+            </a:endParaRPr>
           </a:p>
           <a:p>
             <a:pPr marL="285750" indent="-285750" algn="just">
@@ -13071,32 +13089,30 @@
               <a:buChar char="❑"/>
             </a:pPr>
             <a:r>
-              <a:rPr lang="es-ES" dirty="0">
-                <a:solidFill>
-                  <a:schemeClr val="dk1"/>
-                </a:solidFill>
-                <a:latin typeface="Calibri"/>
-                <a:ea typeface="Calibri"/>
-                <a:cs typeface="Calibri"/>
-                <a:sym typeface="Calibri"/>
-              </a:rPr>
-              <a:t>V</a:t>
-            </a:r>
-            <a:r>
               <a:rPr lang="es-ES" sz="1800" dirty="0">
                 <a:solidFill>
-                  <a:schemeClr val="dk1"/>
+                  <a:srgbClr val="000000"/>
                 </a:solidFill>
-                <a:latin typeface="Calibri"/>
-                <a:ea typeface="Calibri"/>
-                <a:cs typeface="Calibri"/>
-                <a:sym typeface="Calibri"/>
+                <a:effectLst/>
+                <a:latin typeface="Arial" panose="020B0604020202020204" pitchFamily="34" charset="0"/>
+                <a:ea typeface="Arial" panose="020B0604020202020204" pitchFamily="34" charset="0"/>
               </a:rPr>
-              <a:t>erificar el prototipo web mediante una prueba piloto.</a:t>
+              <a:t>Contar con una interfaz para el foro.</a:t>
             </a:r>
+            <a:endParaRPr lang="es-CO" sz="1800" dirty="0">
+              <a:effectLst/>
+              <a:latin typeface="Arial" panose="020B0604020202020204" pitchFamily="34" charset="0"/>
+              <a:ea typeface="Arial" panose="020B0604020202020204" pitchFamily="34" charset="0"/>
+            </a:endParaRPr>
           </a:p>
           <a:p>
-            <a:pPr marL="285750" lvl="0" indent="-285750" algn="just">
+            <a:pPr marL="285750" marR="0" lvl="0" indent="-285750" algn="just" rtl="0">
+              <a:spcBef>
+                <a:spcPts val="0"/>
+              </a:spcBef>
+              <a:spcAft>
+                <a:spcPts val="0"/>
+              </a:spcAft>
               <a:buClr>
                 <a:schemeClr val="dk1"/>
               </a:buClr>
@@ -13216,66 +13232,6 @@
           <a:chExt cx="0" cy="0"/>
         </a:xfrm>
       </p:grpSpPr>
-      <p:pic>
-        <p:nvPicPr>
-          <p:cNvPr id="3" name="Imagen 2">
-            <a:extLst>
-              <a:ext uri="{FF2B5EF4-FFF2-40B4-BE49-F238E27FC236}">
-                <a16:creationId xmlns:a16="http://schemas.microsoft.com/office/drawing/2014/main" id="{9E4B41AB-DAE8-4CA3-98F0-6A82E5AF71A5}"/>
-              </a:ext>
-            </a:extLst>
-          </p:cNvPr>
-          <p:cNvPicPr>
-            <a:picLocks noChangeAspect="1"/>
-          </p:cNvPicPr>
-          <p:nvPr/>
-        </p:nvPicPr>
-        <p:blipFill>
-          <a:blip r:embed="rId2"/>
-          <a:stretch>
-            <a:fillRect/>
-          </a:stretch>
-        </p:blipFill>
-        <p:spPr>
-          <a:xfrm>
-            <a:off x="4427047" y="1120866"/>
-            <a:ext cx="3980353" cy="1836754"/>
-          </a:xfrm>
-          <a:prstGeom prst="rect">
-            <a:avLst/>
-          </a:prstGeom>
-        </p:spPr>
-      </p:pic>
-      <p:pic>
-        <p:nvPicPr>
-          <p:cNvPr id="4" name="Imagen 3">
-            <a:extLst>
-              <a:ext uri="{FF2B5EF4-FFF2-40B4-BE49-F238E27FC236}">
-                <a16:creationId xmlns:a16="http://schemas.microsoft.com/office/drawing/2014/main" id="{12E6E945-13B6-476E-BC3F-C4699E05315C}"/>
-              </a:ext>
-            </a:extLst>
-          </p:cNvPr>
-          <p:cNvPicPr>
-            <a:picLocks noChangeAspect="1"/>
-          </p:cNvPicPr>
-          <p:nvPr/>
-        </p:nvPicPr>
-        <p:blipFill>
-          <a:blip r:embed="rId3"/>
-          <a:stretch>
-            <a:fillRect/>
-          </a:stretch>
-        </p:blipFill>
-        <p:spPr>
-          <a:xfrm>
-            <a:off x="2636617" y="3101754"/>
-            <a:ext cx="4424584" cy="2041746"/>
-          </a:xfrm>
-          <a:prstGeom prst="rect">
-            <a:avLst/>
-          </a:prstGeom>
-        </p:spPr>
-      </p:pic>
       <p:sp>
         <p:nvSpPr>
           <p:cNvPr id="5" name="CuadroTexto 4">
@@ -13332,7 +13288,7 @@
           <p:nvPr/>
         </p:nvPicPr>
         <p:blipFill>
-          <a:blip r:embed="rId4"/>
+          <a:blip r:embed="rId2"/>
           <a:stretch>
             <a:fillRect/>
           </a:stretch>
@@ -13345,6 +13301,100 @@
           <a:prstGeom prst="rect">
             <a:avLst/>
           </a:prstGeom>
+        </p:spPr>
+      </p:pic>
+      <p:pic>
+        <p:nvPicPr>
+          <p:cNvPr id="1028" name="Picture 4" descr="Gráfico de respuestas de formularios. Título de la pregunta: ¿Confiara su información personal al aplicativo web del gimnasio tal como (CC/TI, correo electrónico, número celular)?. Número de respuestas: 12 respuestas.">
+            <a:extLst>
+              <a:ext uri="{FF2B5EF4-FFF2-40B4-BE49-F238E27FC236}">
+                <a16:creationId xmlns:a16="http://schemas.microsoft.com/office/drawing/2014/main" id="{D47E2EE5-11A6-47FF-8810-27C47C9C02EF}"/>
+              </a:ext>
+            </a:extLst>
+          </p:cNvPr>
+          <p:cNvPicPr>
+            <a:picLocks noChangeAspect="1" noChangeArrowheads="1"/>
+          </p:cNvPicPr>
+          <p:nvPr/>
+        </p:nvPicPr>
+        <p:blipFill>
+          <a:blip r:embed="rId3">
+            <a:extLst>
+              <a:ext uri="{28A0092B-C50C-407E-A947-70E740481C1C}">
+                <a14:useLocalDpi xmlns:a14="http://schemas.microsoft.com/office/drawing/2010/main" val="0"/>
+              </a:ext>
+            </a:extLst>
+          </a:blip>
+          <a:srcRect/>
+          <a:stretch>
+            <a:fillRect/>
+          </a:stretch>
+        </p:blipFill>
+        <p:spPr bwMode="auto">
+          <a:xfrm>
+            <a:off x="4241172" y="1120866"/>
+            <a:ext cx="4606496" cy="2110953"/>
+          </a:xfrm>
+          <a:prstGeom prst="rect">
+            <a:avLst/>
+          </a:prstGeom>
+          <a:noFill/>
+          <a:extLst>
+            <a:ext uri="{909E8E84-426E-40DD-AFC4-6F175D3DCCD1}">
+              <a14:hiddenFill xmlns:a14="http://schemas.microsoft.com/office/drawing/2010/main">
+                <a:solidFill>
+                  <a:srgbClr val="FFFFFF"/>
+                </a:solidFill>
+              </a14:hiddenFill>
+            </a:ext>
+          </a:extLst>
+        </p:spPr>
+      </p:pic>
+      <p:pic>
+        <p:nvPicPr>
+          <p:cNvPr id="1030" name="Picture 6" descr="Gráfico de respuestas de formularios. Título de la pregunta: En un ejemplo hipotético, usted fuera el propietario de un gimnasio ¿Le sería de suma importancia obtener un reporte de usuarios activos e inactivos?. Número de respuestas: 12 respuestas.">
+            <a:extLst>
+              <a:ext uri="{FF2B5EF4-FFF2-40B4-BE49-F238E27FC236}">
+                <a16:creationId xmlns:a16="http://schemas.microsoft.com/office/drawing/2014/main" id="{6CDCCFFE-3552-4A41-B2DC-7033CCF42C2B}"/>
+              </a:ext>
+            </a:extLst>
+          </p:cNvPr>
+          <p:cNvPicPr>
+            <a:picLocks noChangeAspect="1" noChangeArrowheads="1"/>
+          </p:cNvPicPr>
+          <p:nvPr/>
+        </p:nvPicPr>
+        <p:blipFill>
+          <a:blip r:embed="rId4">
+            <a:extLst>
+              <a:ext uri="{28A0092B-C50C-407E-A947-70E740481C1C}">
+                <a14:useLocalDpi xmlns:a14="http://schemas.microsoft.com/office/drawing/2010/main" val="0"/>
+              </a:ext>
+            </a:extLst>
+          </a:blip>
+          <a:srcRect/>
+          <a:stretch>
+            <a:fillRect/>
+          </a:stretch>
+        </p:blipFill>
+        <p:spPr bwMode="auto">
+          <a:xfrm>
+            <a:off x="1913628" y="3057281"/>
+            <a:ext cx="4655088" cy="2005786"/>
+          </a:xfrm>
+          <a:prstGeom prst="rect">
+            <a:avLst/>
+          </a:prstGeom>
+          <a:noFill/>
+          <a:extLst>
+            <a:ext uri="{909E8E84-426E-40DD-AFC4-6F175D3DCCD1}">
+              <a14:hiddenFill xmlns:a14="http://schemas.microsoft.com/office/drawing/2010/main">
+                <a:solidFill>
+                  <a:srgbClr val="FFFFFF"/>
+                </a:solidFill>
+              </a14:hiddenFill>
+            </a:ext>
+          </a:extLst>
         </p:spPr>
       </p:pic>
     </p:spTree>
@@ -13413,10 +13463,10 @@
       </p:sp>
       <p:pic>
         <p:nvPicPr>
-          <p:cNvPr id="7" name="Imagen 6">
+          <p:cNvPr id="4" name="Imagen 3">
             <a:extLst>
               <a:ext uri="{FF2B5EF4-FFF2-40B4-BE49-F238E27FC236}">
-                <a16:creationId xmlns:a16="http://schemas.microsoft.com/office/drawing/2014/main" id="{292055D0-939E-4506-9C77-3FBB2DC44A71}"/>
+                <a16:creationId xmlns:a16="http://schemas.microsoft.com/office/drawing/2014/main" id="{59193C30-4F41-4ADF-BC25-F97E13D0B214}"/>
               </a:ext>
             </a:extLst>
           </p:cNvPr>
@@ -13433,8 +13483,8 @@
         </p:blipFill>
         <p:spPr>
           <a:xfrm>
-            <a:off x="148166" y="1117600"/>
-            <a:ext cx="8847667" cy="3903133"/>
+            <a:off x="280785" y="1134694"/>
+            <a:ext cx="8582429" cy="3936840"/>
           </a:xfrm>
           <a:prstGeom prst="rect">
             <a:avLst/>
@@ -13507,10 +13557,10 @@
       </p:sp>
       <p:pic>
         <p:nvPicPr>
-          <p:cNvPr id="4" name="Imagen 3">
+          <p:cNvPr id="5" name="Imagen 4">
             <a:extLst>
               <a:ext uri="{FF2B5EF4-FFF2-40B4-BE49-F238E27FC236}">
-                <a16:creationId xmlns:a16="http://schemas.microsoft.com/office/drawing/2014/main" id="{298F6677-CB7F-48A4-A7EA-FF96681FFA27}"/>
+                <a16:creationId xmlns:a16="http://schemas.microsoft.com/office/drawing/2014/main" id="{155CEC39-F7B4-47FF-AF15-C1CF804D457A}"/>
               </a:ext>
             </a:extLst>
           </p:cNvPr>
@@ -13527,8 +13577,8 @@
         </p:blipFill>
         <p:spPr>
           <a:xfrm>
-            <a:off x="169333" y="1168400"/>
-            <a:ext cx="8856134" cy="3877733"/>
+            <a:off x="160609" y="1233190"/>
+            <a:ext cx="8822782" cy="3220277"/>
           </a:xfrm>
           <a:prstGeom prst="rect">
             <a:avLst/>
